--- a/COMP6611B-Final-Presentation.pptx
+++ b/COMP6611B-Final-Presentation.pptx
@@ -5,7 +5,7 @@
     <p:sldMasterId id="2147483648" r:id="rId1"/>
   </p:sldMasterIdLst>
   <p:notesMasterIdLst>
-    <p:notesMasterId r:id="rId14"/>
+    <p:notesMasterId r:id="rId23"/>
   </p:notesMasterIdLst>
   <p:sldIdLst>
     <p:sldId id="256" r:id="rId2"/>
@@ -20,6 +20,15 @@
     <p:sldId id="262" r:id="rId11"/>
     <p:sldId id="263" r:id="rId12"/>
     <p:sldId id="264" r:id="rId13"/>
+    <p:sldId id="268" r:id="rId14"/>
+    <p:sldId id="269" r:id="rId15"/>
+    <p:sldId id="270" r:id="rId16"/>
+    <p:sldId id="272" r:id="rId17"/>
+    <p:sldId id="274" r:id="rId18"/>
+    <p:sldId id="275" r:id="rId19"/>
+    <p:sldId id="276" r:id="rId20"/>
+    <p:sldId id="277" r:id="rId21"/>
+    <p:sldId id="271" r:id="rId22"/>
   </p:sldIdLst>
   <p:sldSz cx="12192000" cy="6858000"/>
   <p:notesSz cx="6858000" cy="9144000"/>
@@ -118,6 +127,11 @@
       </a:defRPr>
     </a:lvl9pPr>
   </p:defaultTextStyle>
+  <p:extLst>
+    <p:ext uri="{EFAFB233-063F-42B5-8137-9DF3F51BA10A}">
+      <p15:sldGuideLst xmlns:p15="http://schemas.microsoft.com/office/powerpoint/2012/main"/>
+    </p:ext>
+  </p:extLst>
 </p:presentation>
 </file>
 
@@ -203,7 +217,7 @@
           <a:p>
             <a:fld id="{34ED8244-32D7-D444-8689-AFEBAAE63DB6}" type="datetimeFigureOut">
               <a:rPr lang="en-US" smtClean="0"/>
-              <a:t>11/22/16</a:t>
+              <a:t>11/25/16</a:t>
             </a:fld>
             <a:endParaRPr lang="en-US"/>
           </a:p>
@@ -1362,7 +1376,7 @@
             <a:fld id="{B61BEF0D-F0BB-DE4B-95CE-6DB70DBA9567}" type="datetimeFigureOut">
               <a:rPr lang="en-US" dirty="0"/>
               <a:pPr/>
-              <a:t>11/22/16</a:t>
+              <a:t>11/25/16</a:t>
             </a:fld>
             <a:endParaRPr lang="en-US" dirty="0"/>
           </a:p>
@@ -1610,7 +1624,7 @@
             <a:fld id="{B61BEF0D-F0BB-DE4B-95CE-6DB70DBA9567}" type="datetimeFigureOut">
               <a:rPr lang="en-US" dirty="0"/>
               <a:pPr/>
-              <a:t>11/22/16</a:t>
+              <a:t>11/25/16</a:t>
             </a:fld>
             <a:endParaRPr lang="en-US" dirty="0"/>
           </a:p>
@@ -1921,7 +1935,7 @@
             <a:fld id="{B61BEF0D-F0BB-DE4B-95CE-6DB70DBA9567}" type="datetimeFigureOut">
               <a:rPr lang="en-US" dirty="0"/>
               <a:pPr/>
-              <a:t>11/22/16</a:t>
+              <a:t>11/25/16</a:t>
             </a:fld>
             <a:endParaRPr lang="en-US" dirty="0"/>
           </a:p>
@@ -2259,7 +2273,7 @@
             <a:fld id="{B61BEF0D-F0BB-DE4B-95CE-6DB70DBA9567}" type="datetimeFigureOut">
               <a:rPr lang="en-US" dirty="0"/>
               <a:pPr/>
-              <a:t>11/22/16</a:t>
+              <a:t>11/25/16</a:t>
             </a:fld>
             <a:endParaRPr lang="en-US" dirty="0"/>
           </a:p>
@@ -2570,7 +2584,7 @@
             <a:fld id="{B61BEF0D-F0BB-DE4B-95CE-6DB70DBA9567}" type="datetimeFigureOut">
               <a:rPr lang="en-US" dirty="0"/>
               <a:pPr/>
-              <a:t>11/22/16</a:t>
+              <a:t>11/25/16</a:t>
             </a:fld>
             <a:endParaRPr lang="en-US" dirty="0"/>
           </a:p>
@@ -2960,7 +2974,7 @@
             <a:fld id="{B61BEF0D-F0BB-DE4B-95CE-6DB70DBA9567}" type="datetimeFigureOut">
               <a:rPr lang="en-US" dirty="0"/>
               <a:pPr/>
-              <a:t>11/22/16</a:t>
+              <a:t>11/25/16</a:t>
             </a:fld>
             <a:endParaRPr lang="en-US" dirty="0"/>
           </a:p>
@@ -3126,7 +3140,7 @@
           <a:p>
             <a:fld id="{55C6B4A9-1611-4792-9094-5F34BCA07E0B}" type="datetimeFigureOut">
               <a:rPr lang="en-US" dirty="0"/>
-              <a:t>11/22/16</a:t>
+              <a:t>11/25/16</a:t>
             </a:fld>
             <a:endParaRPr lang="en-US" dirty="0"/>
           </a:p>
@@ -3302,7 +3316,7 @@
             <a:fld id="{B61BEF0D-F0BB-DE4B-95CE-6DB70DBA9567}" type="datetimeFigureOut">
               <a:rPr lang="en-US" dirty="0"/>
               <a:pPr/>
-              <a:t>11/22/16</a:t>
+              <a:t>11/25/16</a:t>
             </a:fld>
             <a:endParaRPr lang="en-US" dirty="0"/>
           </a:p>
@@ -3475,7 +3489,7 @@
             <a:fld id="{B61BEF0D-F0BB-DE4B-95CE-6DB70DBA9567}" type="datetimeFigureOut">
               <a:rPr lang="en-US" dirty="0"/>
               <a:pPr/>
-              <a:t>11/22/16</a:t>
+              <a:t>11/25/16</a:t>
             </a:fld>
             <a:endParaRPr lang="en-US" dirty="0"/>
           </a:p>
@@ -3719,7 +3733,7 @@
             <a:fld id="{B61BEF0D-F0BB-DE4B-95CE-6DB70DBA9567}" type="datetimeFigureOut">
               <a:rPr lang="en-US" dirty="0"/>
               <a:pPr/>
-              <a:t>11/22/16</a:t>
+              <a:t>11/25/16</a:t>
             </a:fld>
             <a:endParaRPr lang="en-US" dirty="0"/>
           </a:p>
@@ -3947,7 +3961,7 @@
           <a:p>
             <a:fld id="{EB712588-04B1-427B-82EE-E8DB90309F08}" type="datetimeFigureOut">
               <a:rPr lang="en-US" dirty="0"/>
-              <a:t>11/22/16</a:t>
+              <a:t>11/25/16</a:t>
             </a:fld>
             <a:endParaRPr lang="en-US" dirty="0"/>
           </a:p>
@@ -4317,7 +4331,7 @@
             <a:fld id="{B61BEF0D-F0BB-DE4B-95CE-6DB70DBA9567}" type="datetimeFigureOut">
               <a:rPr lang="en-US" dirty="0"/>
               <a:pPr/>
-              <a:t>11/22/16</a:t>
+              <a:t>11/25/16</a:t>
             </a:fld>
             <a:endParaRPr lang="en-US" dirty="0"/>
           </a:p>
@@ -4437,7 +4451,7 @@
             <a:fld id="{B61BEF0D-F0BB-DE4B-95CE-6DB70DBA9567}" type="datetimeFigureOut">
               <a:rPr lang="en-US" dirty="0"/>
               <a:pPr/>
-              <a:t>11/22/16</a:t>
+              <a:t>11/25/16</a:t>
             </a:fld>
             <a:endParaRPr lang="en-US" dirty="0"/>
           </a:p>
@@ -4529,7 +4543,7 @@
             <a:fld id="{B61BEF0D-F0BB-DE4B-95CE-6DB70DBA9567}" type="datetimeFigureOut">
               <a:rPr lang="en-US" dirty="0"/>
               <a:pPr/>
-              <a:t>11/22/16</a:t>
+              <a:t>11/25/16</a:t>
             </a:fld>
             <a:endParaRPr lang="en-US" dirty="0"/>
           </a:p>
@@ -4780,7 +4794,7 @@
           <a:p>
             <a:fld id="{42A54C80-263E-416B-A8E0-580EDEADCBDC}" type="datetimeFigureOut">
               <a:rPr lang="en-US" dirty="0"/>
-              <a:t>11/22/16</a:t>
+              <a:t>11/25/16</a:t>
             </a:fld>
             <a:endParaRPr lang="en-US" dirty="0"/>
           </a:p>
@@ -5039,7 +5053,7 @@
             <a:fld id="{B61BEF0D-F0BB-DE4B-95CE-6DB70DBA9567}" type="datetimeFigureOut">
               <a:rPr lang="en-US" dirty="0"/>
               <a:pPr/>
-              <a:t>11/22/16</a:t>
+              <a:t>11/25/16</a:t>
             </a:fld>
             <a:endParaRPr lang="en-US" dirty="0"/>
           </a:p>
@@ -5779,7 +5793,7 @@
             <a:fld id="{B61BEF0D-F0BB-DE4B-95CE-6DB70DBA9567}" type="datetimeFigureOut">
               <a:rPr lang="en-US" dirty="0"/>
               <a:pPr/>
-              <a:t>11/22/16</a:t>
+              <a:t>11/25/16</a:t>
             </a:fld>
             <a:endParaRPr lang="en-US" dirty="0"/>
           </a:p>
@@ -6854,15 +6868,11 @@
               <a:rPr lang="en-US" dirty="0" smtClean="0"/>
               <a:t>How to Benefit from Caching</a:t>
             </a:r>
-            <a:r>
-              <a:rPr lang="en-US" smtClean="0"/>
-              <a:t/>
-            </a:r>
             <a:br>
-              <a:rPr lang="en-US" smtClean="0"/>
+              <a:rPr lang="en-US" dirty="0" smtClean="0"/>
             </a:br>
             <a:r>
-              <a:rPr lang="en-US" smtClean="0"/>
+              <a:rPr lang="en-US" dirty="0" smtClean="0"/>
               <a:t>Programmers </a:t>
             </a:r>
             <a:endParaRPr lang="en-US" dirty="0"/>
@@ -6881,10 +6891,105 @@
         </p:nvSpPr>
         <p:spPr/>
         <p:txBody>
-          <a:bodyPr/>
+          <a:bodyPr>
+            <a:noAutofit/>
+          </a:bodyPr>
           <a:lstStyle/>
           <a:p>
-            <a:endParaRPr lang="en-US" dirty="0"/>
+            <a:r>
+              <a:rPr lang="en-US" sz="2200" dirty="0" smtClean="0"/>
+              <a:t>Programmers need to identify the </a:t>
+            </a:r>
+            <a:r>
+              <a:rPr lang="en-US" sz="2200" dirty="0"/>
+              <a:t>dependency graphs for different jobs </a:t>
+            </a:r>
+            <a:r>
+              <a:rPr lang="en-US" sz="2200" dirty="0" smtClean="0"/>
+              <a:t>that share </a:t>
+            </a:r>
+            <a:r>
+              <a:rPr lang="en-US" sz="2200" dirty="0"/>
+              <a:t>a common substructure. </a:t>
+            </a:r>
+            <a:endParaRPr lang="en-US" sz="2200" dirty="0" smtClean="0"/>
+          </a:p>
+          <a:p>
+            <a:r>
+              <a:rPr lang="en-US" sz="2200" dirty="0" smtClean="0"/>
+              <a:t>Programmers need to pin point the caching points in the whole program.</a:t>
+            </a:r>
+          </a:p>
+          <a:p>
+            <a:r>
+              <a:rPr lang="en-US" sz="2200" dirty="0" smtClean="0"/>
+              <a:t>Programmers need to explicitly call function </a:t>
+            </a:r>
+            <a:r>
+              <a:rPr lang="en-US" sz="2200" dirty="0" smtClean="0">
+                <a:solidFill>
+                  <a:srgbClr val="FF0000"/>
+                </a:solidFill>
+              </a:rPr>
+              <a:t>Cache</a:t>
+            </a:r>
+            <a:r>
+              <a:rPr lang="en-US" sz="2200" dirty="0" smtClean="0"/>
+              <a:t> to cache the RDD</a:t>
+            </a:r>
+          </a:p>
+          <a:p>
+            <a:r>
+              <a:rPr lang="en-US" sz="2200" dirty="0" smtClean="0">
+                <a:solidFill>
+                  <a:srgbClr val="FF0000"/>
+                </a:solidFill>
+              </a:rPr>
+              <a:t>Non-Trivial task for programmers.</a:t>
+            </a:r>
+          </a:p>
+          <a:p>
+            <a:r>
+              <a:rPr lang="en-US" sz="2200" dirty="0" smtClean="0">
+                <a:solidFill>
+                  <a:srgbClr val="FF0000"/>
+                </a:solidFill>
+              </a:rPr>
+              <a:t>Programmers may be not trained to benefit from Caching.</a:t>
+            </a:r>
+          </a:p>
+          <a:p>
+            <a:r>
+              <a:rPr lang="en-US" sz="2200" dirty="0" smtClean="0">
+                <a:solidFill>
+                  <a:srgbClr val="FF0000"/>
+                </a:solidFill>
+              </a:rPr>
+              <a:t>Projects have many contributors which makes even Caching harder.</a:t>
+            </a:r>
+          </a:p>
+          <a:p>
+            <a:endParaRPr lang="en-US" sz="2200" dirty="0" smtClean="0"/>
+          </a:p>
+          <a:p>
+            <a:endParaRPr lang="en-US" sz="2200" dirty="0"/>
+          </a:p>
+          <a:p>
+            <a:pPr marL="342900" indent="-342900" algn="l" defTabSz="457200" rtl="0" eaLnBrk="1" latinLnBrk="0" hangingPunct="1">
+              <a:spcBef>
+                <a:spcPts val="1000"/>
+              </a:spcBef>
+              <a:spcAft>
+                <a:spcPts val="0"/>
+              </a:spcAft>
+              <a:buClr>
+                <a:schemeClr val="accent1"/>
+              </a:buClr>
+              <a:buSzPct val="80000"/>
+              <a:buFont typeface="Wingdings 3" charset="2"/>
+              <a:buChar char=""/>
+            </a:pPr>
+            <a:endParaRPr lang="en-US" sz="2200" dirty="0"/>
           </a:p>
         </p:txBody>
       </p:sp>
@@ -6892,6 +6997,1784 @@
     <p:extLst>
       <p:ext uri="{BB962C8B-B14F-4D97-AF65-F5344CB8AC3E}">
         <p14:creationId xmlns:p14="http://schemas.microsoft.com/office/powerpoint/2010/main" val="96581284"/>
+      </p:ext>
+    </p:extLst>
+  </p:cSld>
+  <p:clrMapOvr>
+    <a:masterClrMapping/>
+  </p:clrMapOvr>
+</p:sld>
+</file>
+
+<file path=ppt/slides/slide13.xml><?xml version="1.0" encoding="utf-8"?>
+<p:sld xmlns:a="http://schemas.openxmlformats.org/drawingml/2006/main" xmlns:r="http://schemas.openxmlformats.org/officeDocument/2006/relationships" xmlns:p="http://schemas.openxmlformats.org/presentationml/2006/main">
+  <p:cSld>
+    <p:spTree>
+      <p:nvGrpSpPr>
+        <p:cNvPr id="1" name=""/>
+        <p:cNvGrpSpPr/>
+        <p:nvPr/>
+      </p:nvGrpSpPr>
+      <p:grpSpPr>
+        <a:xfrm>
+          <a:off x="0" y="0"/>
+          <a:ext cx="0" cy="0"/>
+          <a:chOff x="0" y="0"/>
+          <a:chExt cx="0" cy="0"/>
+        </a:xfrm>
+      </p:grpSpPr>
+      <p:sp>
+        <p:nvSpPr>
+          <p:cNvPr id="2" name="Title 1"/>
+          <p:cNvSpPr>
+            <a:spLocks noGrp="1"/>
+          </p:cNvSpPr>
+          <p:nvPr>
+            <p:ph type="title"/>
+          </p:nvPr>
+        </p:nvSpPr>
+        <p:spPr/>
+        <p:txBody>
+          <a:bodyPr/>
+          <a:lstStyle/>
+          <a:p>
+            <a:pPr algn="ctr"/>
+            <a:r>
+              <a:rPr lang="en-US" dirty="0" smtClean="0"/>
+              <a:t>How to Benefit from Caching</a:t>
+            </a:r>
+            <a:br>
+              <a:rPr lang="en-US" dirty="0" smtClean="0"/>
+            </a:br>
+            <a:r>
+              <a:rPr lang="en-US" dirty="0" smtClean="0"/>
+              <a:t>The right way</a:t>
+            </a:r>
+            <a:endParaRPr lang="en-US" dirty="0"/>
+          </a:p>
+        </p:txBody>
+      </p:sp>
+      <p:sp>
+        <p:nvSpPr>
+          <p:cNvPr id="3" name="Content Placeholder 2"/>
+          <p:cNvSpPr>
+            <a:spLocks noGrp="1"/>
+          </p:cNvSpPr>
+          <p:nvPr>
+            <p:ph idx="1"/>
+          </p:nvPr>
+        </p:nvSpPr>
+        <p:spPr/>
+        <p:txBody>
+          <a:bodyPr>
+            <a:noAutofit/>
+          </a:bodyPr>
+          <a:lstStyle/>
+          <a:p>
+            <a:r>
+              <a:rPr lang="en-US" sz="2200" dirty="0" smtClean="0"/>
+              <a:t>Programmers need to focus on the functionality of different jobs.</a:t>
+            </a:r>
+          </a:p>
+          <a:p>
+            <a:r>
+              <a:rPr lang="en-US" sz="2200" dirty="0" smtClean="0"/>
+              <a:t>Programmers need not worry about Caching </a:t>
+            </a:r>
+            <a:r>
+              <a:rPr lang="en-US" sz="2200" dirty="0" err="1" smtClean="0"/>
+              <a:t>enforcment</a:t>
+            </a:r>
+            <a:r>
+              <a:rPr lang="en-US" sz="2200" dirty="0" smtClean="0"/>
+              <a:t>.</a:t>
+            </a:r>
+          </a:p>
+          <a:p>
+            <a:r>
+              <a:rPr lang="en-US" sz="2200" dirty="0" smtClean="0"/>
+              <a:t>Programmers need to collaborate smoothly.</a:t>
+            </a:r>
+          </a:p>
+          <a:p>
+            <a:r>
+              <a:rPr lang="en-US" sz="2200" dirty="0" smtClean="0">
+                <a:solidFill>
+                  <a:srgbClr val="FF0000"/>
+                </a:solidFill>
+              </a:rPr>
+              <a:t>Code Analysis to identify Job dependencies .</a:t>
+            </a:r>
+          </a:p>
+          <a:p>
+            <a:r>
+              <a:rPr lang="en-US" sz="2200" dirty="0" smtClean="0">
+                <a:solidFill>
+                  <a:srgbClr val="FF0000"/>
+                </a:solidFill>
+              </a:rPr>
+              <a:t>Automatic insertion of caching calls.</a:t>
+            </a:r>
+          </a:p>
+          <a:p>
+            <a:r>
+              <a:rPr lang="en-US" sz="2200" dirty="0" smtClean="0">
+                <a:solidFill>
+                  <a:srgbClr val="FF0000"/>
+                </a:solidFill>
+              </a:rPr>
+              <a:t>Efficient caching management framework.</a:t>
+            </a:r>
+          </a:p>
+          <a:p>
+            <a:endParaRPr lang="en-US" sz="2200" dirty="0" smtClean="0"/>
+          </a:p>
+          <a:p>
+            <a:endParaRPr lang="en-US" sz="2200" dirty="0"/>
+          </a:p>
+          <a:p>
+            <a:pPr marL="342900" indent="-342900" algn="l" defTabSz="457200" rtl="0" eaLnBrk="1" latinLnBrk="0" hangingPunct="1">
+              <a:spcBef>
+                <a:spcPts val="1000"/>
+              </a:spcBef>
+              <a:spcAft>
+                <a:spcPts val="0"/>
+              </a:spcAft>
+              <a:buClr>
+                <a:schemeClr val="accent1"/>
+              </a:buClr>
+              <a:buSzPct val="80000"/>
+              <a:buFont typeface="Wingdings 3" charset="2"/>
+              <a:buChar char=""/>
+            </a:pPr>
+            <a:endParaRPr lang="en-US" sz="2200" dirty="0"/>
+          </a:p>
+        </p:txBody>
+      </p:sp>
+    </p:spTree>
+    <p:extLst>
+      <p:ext uri="{BB962C8B-B14F-4D97-AF65-F5344CB8AC3E}">
+        <p14:creationId xmlns:p14="http://schemas.microsoft.com/office/powerpoint/2010/main" val="2126758443"/>
+      </p:ext>
+    </p:extLst>
+  </p:cSld>
+  <p:clrMapOvr>
+    <a:masterClrMapping/>
+  </p:clrMapOvr>
+</p:sld>
+</file>
+
+<file path=ppt/slides/slide14.xml><?xml version="1.0" encoding="utf-8"?>
+<p:sld xmlns:a="http://schemas.openxmlformats.org/drawingml/2006/main" xmlns:r="http://schemas.openxmlformats.org/officeDocument/2006/relationships" xmlns:p="http://schemas.openxmlformats.org/presentationml/2006/main">
+  <p:cSld>
+    <p:spTree>
+      <p:nvGrpSpPr>
+        <p:cNvPr id="1" name=""/>
+        <p:cNvGrpSpPr/>
+        <p:nvPr/>
+      </p:nvGrpSpPr>
+      <p:grpSpPr>
+        <a:xfrm>
+          <a:off x="0" y="0"/>
+          <a:ext cx="0" cy="0"/>
+          <a:chOff x="0" y="0"/>
+          <a:chExt cx="0" cy="0"/>
+        </a:xfrm>
+      </p:grpSpPr>
+      <p:sp>
+        <p:nvSpPr>
+          <p:cNvPr id="2" name="Title 1"/>
+          <p:cNvSpPr>
+            <a:spLocks noGrp="1"/>
+          </p:cNvSpPr>
+          <p:nvPr>
+            <p:ph type="title"/>
+          </p:nvPr>
+        </p:nvSpPr>
+        <p:spPr/>
+        <p:txBody>
+          <a:bodyPr/>
+          <a:lstStyle/>
+          <a:p>
+            <a:pPr algn="ctr"/>
+            <a:r>
+              <a:rPr lang="en-US" dirty="0"/>
+              <a:t>Implementation Aspects</a:t>
+            </a:r>
+            <a:br>
+              <a:rPr lang="en-US" dirty="0"/>
+            </a:br>
+            <a:r>
+              <a:rPr lang="en-US" dirty="0" smtClean="0"/>
+              <a:t>Current state</a:t>
+            </a:r>
+            <a:endParaRPr lang="en-US" dirty="0"/>
+          </a:p>
+        </p:txBody>
+      </p:sp>
+      <p:sp>
+        <p:nvSpPr>
+          <p:cNvPr id="3" name="Content Placeholder 2"/>
+          <p:cNvSpPr>
+            <a:spLocks noGrp="1"/>
+          </p:cNvSpPr>
+          <p:nvPr>
+            <p:ph idx="1"/>
+          </p:nvPr>
+        </p:nvSpPr>
+        <p:spPr/>
+        <p:txBody>
+          <a:bodyPr/>
+          <a:lstStyle/>
+          <a:p>
+            <a:r>
+              <a:rPr lang="en-US" dirty="0"/>
+              <a:t>Spark program instantiates an instance of Java </a:t>
+            </a:r>
+            <a:r>
+              <a:rPr lang="en-US" dirty="0" smtClean="0"/>
+              <a:t>class T </a:t>
+            </a:r>
+            <a:r>
+              <a:rPr lang="en-US" dirty="0"/>
+              <a:t>that is a subclass of the base class </a:t>
+            </a:r>
+            <a:r>
+              <a:rPr lang="en-US" dirty="0" err="1"/>
+              <a:t>org.apache.spark.rdd.RDD</a:t>
+            </a:r>
+            <a:r>
+              <a:rPr lang="en-US" dirty="0"/>
+              <a:t> for each transformation. </a:t>
+            </a:r>
+            <a:endParaRPr lang="en-US" dirty="0"/>
+          </a:p>
+          <a:p>
+            <a:r>
+              <a:rPr lang="en-US" dirty="0" smtClean="0"/>
+              <a:t> </a:t>
+            </a:r>
+            <a:r>
+              <a:rPr lang="en-US" dirty="0"/>
+              <a:t>The constructor of the base class consists of two arguments </a:t>
+            </a:r>
+            <a:endParaRPr lang="en-US" dirty="0"/>
+          </a:p>
+          <a:p>
+            <a:pPr lvl="1"/>
+            <a:r>
+              <a:rPr lang="en-US" dirty="0"/>
+              <a:t>a sequence of its dependencies deps </a:t>
+            </a:r>
+            <a:r>
+              <a:rPr lang="en-US" dirty="0" smtClean="0"/>
+              <a:t>into </a:t>
+            </a:r>
+            <a:r>
+              <a:rPr lang="en-US" dirty="0" err="1" smtClean="0">
+                <a:solidFill>
+                  <a:srgbClr val="FF0000"/>
+                </a:solidFill>
+              </a:rPr>
+              <a:t>dependcies</a:t>
+            </a:r>
+            <a:r>
+              <a:rPr lang="en-US" dirty="0" smtClean="0">
+                <a:solidFill>
+                  <a:srgbClr val="FF0000"/>
+                </a:solidFill>
+              </a:rPr>
+              <a:t>_</a:t>
+            </a:r>
+            <a:r>
+              <a:rPr lang="en-US" dirty="0" smtClean="0"/>
+              <a:t> variable.</a:t>
+            </a:r>
+            <a:endParaRPr lang="en-US" dirty="0"/>
+          </a:p>
+          <a:p>
+            <a:pPr lvl="1"/>
+            <a:r>
+              <a:rPr lang="en-US" dirty="0"/>
+              <a:t>a Spark context </a:t>
+            </a:r>
+            <a:r>
+              <a:rPr lang="en-US" dirty="0" smtClean="0"/>
+              <a:t>singleton.</a:t>
+            </a:r>
+          </a:p>
+          <a:p>
+            <a:r>
+              <a:rPr lang="en-US" dirty="0">
+                <a:solidFill>
+                  <a:srgbClr val="FF0000"/>
+                </a:solidFill>
+              </a:rPr>
+              <a:t>dependencies_ </a:t>
+            </a:r>
+            <a:r>
+              <a:rPr lang="en-US" dirty="0"/>
+              <a:t>of the base class will be used in runtime to analyze the dependency graph. </a:t>
+            </a:r>
+            <a:endParaRPr lang="en-US" dirty="0" smtClean="0"/>
+          </a:p>
+          <a:p>
+            <a:r>
+              <a:rPr lang="en-US" dirty="0">
+                <a:solidFill>
+                  <a:srgbClr val="FF0000"/>
+                </a:solidFill>
+              </a:rPr>
+              <a:t>the subclass could override this behavior by </a:t>
+            </a:r>
+            <a:r>
+              <a:rPr lang="en-US" dirty="0" smtClean="0">
+                <a:solidFill>
+                  <a:srgbClr val="FF0000"/>
+                </a:solidFill>
+              </a:rPr>
+              <a:t>providing </a:t>
+            </a:r>
+            <a:r>
+              <a:rPr lang="en-US" dirty="0">
+                <a:solidFill>
+                  <a:srgbClr val="FF0000"/>
+                </a:solidFill>
+              </a:rPr>
+              <a:t>an alternative implementation of </a:t>
+            </a:r>
+            <a:r>
+              <a:rPr lang="en-US" dirty="0" err="1">
+                <a:solidFill>
+                  <a:srgbClr val="FF0000"/>
+                </a:solidFill>
+              </a:rPr>
+              <a:t>getDependencies</a:t>
+            </a:r>
+            <a:r>
+              <a:rPr lang="en-US" dirty="0" smtClean="0">
+                <a:solidFill>
+                  <a:srgbClr val="FF0000"/>
+                </a:solidFill>
+              </a:rPr>
+              <a:t>().</a:t>
+            </a:r>
+          </a:p>
+          <a:p>
+            <a:r>
+              <a:rPr lang="en-US" dirty="0" smtClean="0">
+                <a:solidFill>
+                  <a:srgbClr val="FF0000"/>
+                </a:solidFill>
+              </a:rPr>
+              <a:t>Type of dependencies</a:t>
+            </a:r>
+            <a:r>
+              <a:rPr lang="en-US" dirty="0">
+                <a:solidFill>
+                  <a:srgbClr val="FF0000"/>
+                </a:solidFill>
+              </a:rPr>
+              <a:t>_ is </a:t>
+            </a:r>
+            <a:r>
+              <a:rPr lang="en-US" dirty="0" err="1">
+                <a:solidFill>
+                  <a:srgbClr val="FF0000"/>
+                </a:solidFill>
+              </a:rPr>
+              <a:t>Seq</a:t>
+            </a:r>
+            <a:r>
+              <a:rPr lang="en-US" dirty="0">
+                <a:solidFill>
+                  <a:srgbClr val="FF0000"/>
+                </a:solidFill>
+              </a:rPr>
+              <a:t>[Dependency[T]], </a:t>
+            </a:r>
+            <a:r>
+              <a:rPr lang="en-US" dirty="0" smtClean="0">
+                <a:solidFill>
+                  <a:srgbClr val="FF0000"/>
+                </a:solidFill>
+              </a:rPr>
+              <a:t>a </a:t>
+            </a:r>
+            <a:r>
+              <a:rPr lang="en-US" dirty="0">
+                <a:solidFill>
+                  <a:srgbClr val="FF0000"/>
+                </a:solidFill>
+              </a:rPr>
+              <a:t>generic container type and its actual content is difficult to be revealed in the compile-time. </a:t>
+            </a:r>
+            <a:endParaRPr lang="en-US" dirty="0">
+              <a:solidFill>
+                <a:srgbClr val="FF0000"/>
+              </a:solidFill>
+            </a:endParaRPr>
+          </a:p>
+          <a:p>
+            <a:endParaRPr lang="en-US" dirty="0">
+              <a:solidFill>
+                <a:srgbClr val="FF0000"/>
+              </a:solidFill>
+            </a:endParaRPr>
+          </a:p>
+          <a:p>
+            <a:endParaRPr lang="en-US" dirty="0"/>
+          </a:p>
+          <a:p>
+            <a:endParaRPr lang="en-US" dirty="0"/>
+          </a:p>
+        </p:txBody>
+      </p:sp>
+    </p:spTree>
+    <p:extLst>
+      <p:ext uri="{BB962C8B-B14F-4D97-AF65-F5344CB8AC3E}">
+        <p14:creationId xmlns:p14="http://schemas.microsoft.com/office/powerpoint/2010/main" val="780785163"/>
+      </p:ext>
+    </p:extLst>
+  </p:cSld>
+  <p:clrMapOvr>
+    <a:masterClrMapping/>
+  </p:clrMapOvr>
+</p:sld>
+</file>
+
+<file path=ppt/slides/slide15.xml><?xml version="1.0" encoding="utf-8"?>
+<p:sld xmlns:a="http://schemas.openxmlformats.org/drawingml/2006/main" xmlns:r="http://schemas.openxmlformats.org/officeDocument/2006/relationships" xmlns:p="http://schemas.openxmlformats.org/presentationml/2006/main">
+  <p:cSld>
+    <p:spTree>
+      <p:nvGrpSpPr>
+        <p:cNvPr id="1" name=""/>
+        <p:cNvGrpSpPr/>
+        <p:nvPr/>
+      </p:nvGrpSpPr>
+      <p:grpSpPr>
+        <a:xfrm>
+          <a:off x="0" y="0"/>
+          <a:ext cx="0" cy="0"/>
+          <a:chOff x="0" y="0"/>
+          <a:chExt cx="0" cy="0"/>
+        </a:xfrm>
+      </p:grpSpPr>
+      <p:sp>
+        <p:nvSpPr>
+          <p:cNvPr id="2" name="Title 1"/>
+          <p:cNvSpPr>
+            <a:spLocks noGrp="1"/>
+          </p:cNvSpPr>
+          <p:nvPr>
+            <p:ph type="title"/>
+          </p:nvPr>
+        </p:nvSpPr>
+        <p:spPr/>
+        <p:txBody>
+          <a:bodyPr/>
+          <a:lstStyle/>
+          <a:p>
+            <a:pPr algn="ctr"/>
+            <a:r>
+              <a:rPr lang="en-US" dirty="0"/>
+              <a:t>Implementation Aspects</a:t>
+            </a:r>
+            <a:br>
+              <a:rPr lang="en-US" dirty="0"/>
+            </a:br>
+            <a:r>
+              <a:rPr lang="en-US" dirty="0" smtClean="0"/>
+              <a:t>The right way</a:t>
+            </a:r>
+            <a:endParaRPr lang="en-US" dirty="0"/>
+          </a:p>
+        </p:txBody>
+      </p:sp>
+      <p:sp>
+        <p:nvSpPr>
+          <p:cNvPr id="3" name="Content Placeholder 2"/>
+          <p:cNvSpPr>
+            <a:spLocks noGrp="1"/>
+          </p:cNvSpPr>
+          <p:nvPr>
+            <p:ph idx="1"/>
+          </p:nvPr>
+        </p:nvSpPr>
+        <p:spPr/>
+        <p:txBody>
+          <a:bodyPr>
+            <a:normAutofit/>
+          </a:bodyPr>
+          <a:lstStyle/>
+          <a:p>
+            <a:r>
+              <a:rPr lang="en-US" dirty="0" smtClean="0"/>
+              <a:t>Analyze </a:t>
+            </a:r>
+            <a:r>
+              <a:rPr lang="en-US" dirty="0"/>
+              <a:t>the dependencies by only inspecting the code instead of looking into the content of variable </a:t>
+            </a:r>
+            <a:r>
+              <a:rPr lang="en-US" dirty="0" err="1">
+                <a:solidFill>
+                  <a:srgbClr val="FF0000"/>
+                </a:solidFill>
+              </a:rPr>
+              <a:t>dependcies</a:t>
+            </a:r>
+            <a:r>
+              <a:rPr lang="en-US" dirty="0">
+                <a:solidFill>
+                  <a:srgbClr val="FF0000"/>
+                </a:solidFill>
+              </a:rPr>
+              <a:t>_</a:t>
+            </a:r>
+            <a:r>
+              <a:rPr lang="en-US" dirty="0"/>
+              <a:t> </a:t>
+            </a:r>
+            <a:r>
+              <a:rPr lang="en-US" dirty="0" smtClean="0"/>
+              <a:t>. </a:t>
+            </a:r>
+            <a:endParaRPr lang="en-US" dirty="0"/>
+          </a:p>
+          <a:p>
+            <a:r>
+              <a:rPr lang="en-US" dirty="0" smtClean="0"/>
+              <a:t> </a:t>
+            </a:r>
+            <a:r>
+              <a:rPr lang="en-US" dirty="0"/>
+              <a:t>The </a:t>
+            </a:r>
+            <a:r>
+              <a:rPr lang="en-US" dirty="0" err="1"/>
+              <a:t>def</a:t>
+            </a:r>
+            <a:r>
+              <a:rPr lang="en-US" dirty="0"/>
+              <a:t>-use chain of RDD variables in transformation methods reveals data flow dependencies </a:t>
+            </a:r>
+            <a:r>
+              <a:rPr lang="en-US" dirty="0" err="1" smtClean="0"/>
+              <a:t>dfdeps</a:t>
+            </a:r>
+            <a:r>
+              <a:rPr lang="en-US" dirty="0" smtClean="0"/>
+              <a:t>.</a:t>
+            </a:r>
+          </a:p>
+          <a:p>
+            <a:r>
+              <a:rPr lang="en-US" dirty="0" smtClean="0"/>
+              <a:t>While not as accurate as </a:t>
+            </a:r>
+            <a:r>
+              <a:rPr lang="en-US" dirty="0" err="1">
+                <a:solidFill>
+                  <a:srgbClr val="FF0000"/>
+                </a:solidFill>
+              </a:rPr>
+              <a:t>dependcies</a:t>
+            </a:r>
+            <a:r>
+              <a:rPr lang="en-US" dirty="0">
+                <a:solidFill>
+                  <a:srgbClr val="FF0000"/>
+                </a:solidFill>
+              </a:rPr>
+              <a:t>_</a:t>
+            </a:r>
+            <a:r>
+              <a:rPr lang="en-US" dirty="0"/>
+              <a:t> </a:t>
+            </a:r>
+            <a:r>
+              <a:rPr lang="en-US" dirty="0" smtClean="0"/>
+              <a:t>but gives useful insight on deps.</a:t>
+            </a:r>
+          </a:p>
+          <a:p>
+            <a:r>
+              <a:rPr lang="en-US" dirty="0" smtClean="0"/>
+              <a:t>Actual deps </a:t>
+            </a:r>
+            <a:r>
+              <a:rPr lang="en-US" dirty="0"/>
+              <a:t>is always a subset of </a:t>
+            </a:r>
+            <a:r>
+              <a:rPr lang="en-US" dirty="0" err="1" smtClean="0"/>
+              <a:t>dfdeps</a:t>
+            </a:r>
+            <a:endParaRPr lang="en-US" dirty="0"/>
+          </a:p>
+          <a:p>
+            <a:r>
+              <a:rPr lang="en-US" dirty="0"/>
+              <a:t>D</a:t>
+            </a:r>
+            <a:r>
+              <a:rPr lang="en-US" dirty="0" smtClean="0"/>
+              <a:t>ata-flow dependencies </a:t>
+            </a:r>
+            <a:r>
+              <a:rPr lang="en-US" dirty="0"/>
+              <a:t>is not </a:t>
+            </a:r>
+            <a:r>
+              <a:rPr lang="en-US" dirty="0" smtClean="0"/>
+              <a:t>sound (</a:t>
+            </a:r>
+            <a:r>
+              <a:rPr lang="en-US" dirty="0" err="1" smtClean="0"/>
+              <a:t>i.e</a:t>
+            </a:r>
+            <a:r>
+              <a:rPr lang="en-US" dirty="0" smtClean="0"/>
+              <a:t>, if an </a:t>
+            </a:r>
+            <a:r>
+              <a:rPr lang="en-US" dirty="0"/>
+              <a:t>RDD u in the data-flow </a:t>
+            </a:r>
+            <a:r>
+              <a:rPr lang="en-US" dirty="0" smtClean="0"/>
+              <a:t>dependencies </a:t>
+            </a:r>
+            <a:r>
+              <a:rPr lang="en-US" dirty="0"/>
+              <a:t>of RDD v does not imply u is an actual DAG dependency of </a:t>
+            </a:r>
+            <a:r>
+              <a:rPr lang="en-US" dirty="0" smtClean="0"/>
+              <a:t>v)</a:t>
+            </a:r>
+          </a:p>
+          <a:p>
+            <a:r>
+              <a:rPr lang="en-US" dirty="0" smtClean="0"/>
+              <a:t>However, if the value of u does not propagate to instantiation of v in the user program, u is certainly not an actual DAG dependency of v. </a:t>
+            </a:r>
+          </a:p>
+          <a:p>
+            <a:endParaRPr lang="en-US" dirty="0">
+              <a:solidFill>
+                <a:srgbClr val="FF0000"/>
+              </a:solidFill>
+            </a:endParaRPr>
+          </a:p>
+          <a:p>
+            <a:endParaRPr lang="en-US" dirty="0"/>
+          </a:p>
+          <a:p>
+            <a:endParaRPr lang="en-US" dirty="0"/>
+          </a:p>
+        </p:txBody>
+      </p:sp>
+    </p:spTree>
+    <p:extLst>
+      <p:ext uri="{BB962C8B-B14F-4D97-AF65-F5344CB8AC3E}">
+        <p14:creationId xmlns:p14="http://schemas.microsoft.com/office/powerpoint/2010/main" val="1325539851"/>
+      </p:ext>
+    </p:extLst>
+  </p:cSld>
+  <p:clrMapOvr>
+    <a:masterClrMapping/>
+  </p:clrMapOvr>
+</p:sld>
+</file>
+
+<file path=ppt/slides/slide16.xml><?xml version="1.0" encoding="utf-8"?>
+<p:sld xmlns:a="http://schemas.openxmlformats.org/drawingml/2006/main" xmlns:r="http://schemas.openxmlformats.org/officeDocument/2006/relationships" xmlns:p="http://schemas.openxmlformats.org/presentationml/2006/main">
+  <p:cSld>
+    <p:spTree>
+      <p:nvGrpSpPr>
+        <p:cNvPr id="1" name=""/>
+        <p:cNvGrpSpPr/>
+        <p:nvPr/>
+      </p:nvGrpSpPr>
+      <p:grpSpPr>
+        <a:xfrm>
+          <a:off x="0" y="0"/>
+          <a:ext cx="0" cy="0"/>
+          <a:chOff x="0" y="0"/>
+          <a:chExt cx="0" cy="0"/>
+        </a:xfrm>
+      </p:grpSpPr>
+      <p:sp>
+        <p:nvSpPr>
+          <p:cNvPr id="2" name="Title 1"/>
+          <p:cNvSpPr>
+            <a:spLocks noGrp="1"/>
+          </p:cNvSpPr>
+          <p:nvPr>
+            <p:ph type="title"/>
+          </p:nvPr>
+        </p:nvSpPr>
+        <p:spPr/>
+        <p:txBody>
+          <a:bodyPr/>
+          <a:lstStyle/>
+          <a:p>
+            <a:pPr algn="ctr"/>
+            <a:r>
+              <a:rPr lang="en-US" dirty="0" smtClean="0"/>
+              <a:t>Proposed Approach</a:t>
+            </a:r>
+            <a:br>
+              <a:rPr lang="en-US" dirty="0" smtClean="0"/>
+            </a:br>
+            <a:r>
+              <a:rPr lang="en-US" dirty="0" smtClean="0"/>
+              <a:t>Static Analysis</a:t>
+            </a:r>
+            <a:endParaRPr lang="en-US" dirty="0"/>
+          </a:p>
+        </p:txBody>
+      </p:sp>
+      <p:sp>
+        <p:nvSpPr>
+          <p:cNvPr id="3" name="Content Placeholder 2"/>
+          <p:cNvSpPr>
+            <a:spLocks noGrp="1"/>
+          </p:cNvSpPr>
+          <p:nvPr>
+            <p:ph idx="1"/>
+          </p:nvPr>
+        </p:nvSpPr>
+        <p:spPr>
+          <a:xfrm>
+            <a:off x="677333" y="2160589"/>
+            <a:ext cx="8883355" cy="4101315"/>
+          </a:xfrm>
+        </p:spPr>
+        <p:txBody>
+          <a:bodyPr>
+            <a:normAutofit lnSpcReduction="10000"/>
+          </a:bodyPr>
+          <a:lstStyle/>
+          <a:p>
+            <a:r>
+              <a:rPr lang="en-US" dirty="0" smtClean="0"/>
+              <a:t>Static code analysis</a:t>
+            </a:r>
+            <a:r>
+              <a:rPr lang="en-US" dirty="0"/>
+              <a:t>, which does not involve actually running of the </a:t>
+            </a:r>
+            <a:r>
+              <a:rPr lang="en-US" dirty="0" smtClean="0"/>
+              <a:t>program. </a:t>
+            </a:r>
+            <a:endParaRPr lang="en-US" dirty="0"/>
+          </a:p>
+          <a:p>
+            <a:r>
+              <a:rPr lang="en-US" dirty="0" smtClean="0">
+                <a:solidFill>
+                  <a:srgbClr val="FF0000"/>
+                </a:solidFill>
+              </a:rPr>
+              <a:t>Static (Data-flow) analysis pose inaccurate </a:t>
+            </a:r>
+            <a:r>
+              <a:rPr lang="en-US" dirty="0">
+                <a:solidFill>
+                  <a:srgbClr val="FF0000"/>
+                </a:solidFill>
+              </a:rPr>
+              <a:t>possibilities given existence of a variety of control flow </a:t>
+            </a:r>
+            <a:r>
+              <a:rPr lang="en-US" dirty="0" smtClean="0">
+                <a:solidFill>
+                  <a:srgbClr val="FF0000"/>
+                </a:solidFill>
+              </a:rPr>
+              <a:t>constructs (e.g</a:t>
+            </a:r>
+            <a:r>
+              <a:rPr lang="en-US" dirty="0">
+                <a:solidFill>
+                  <a:srgbClr val="FF0000"/>
+                </a:solidFill>
+              </a:rPr>
+              <a:t>. branching, switching, and </a:t>
+            </a:r>
+            <a:r>
+              <a:rPr lang="en-US" dirty="0" smtClean="0">
+                <a:solidFill>
+                  <a:srgbClr val="FF0000"/>
+                </a:solidFill>
+              </a:rPr>
+              <a:t>loops)</a:t>
+            </a:r>
+            <a:r>
+              <a:rPr lang="en-US" dirty="0" smtClean="0"/>
+              <a:t>.</a:t>
+            </a:r>
+            <a:endParaRPr lang="en-US" dirty="0"/>
+          </a:p>
+          <a:p>
+            <a:pPr lvl="1"/>
+            <a:r>
+              <a:rPr lang="en-US" dirty="0" smtClean="0"/>
+              <a:t>The </a:t>
+            </a:r>
+            <a:r>
+              <a:rPr lang="en-US" dirty="0"/>
+              <a:t>actual </a:t>
+            </a:r>
+            <a:r>
+              <a:rPr lang="en-US" dirty="0" smtClean="0"/>
+              <a:t>precision </a:t>
+            </a:r>
+            <a:r>
+              <a:rPr lang="en-US" dirty="0"/>
+              <a:t>of the dependency </a:t>
+            </a:r>
+            <a:r>
+              <a:rPr lang="en-US" dirty="0" smtClean="0"/>
+              <a:t>analysis can be quantified</a:t>
+            </a:r>
+          </a:p>
+          <a:p>
+            <a:pPr lvl="1"/>
+            <a:r>
+              <a:rPr lang="en-US" dirty="0" smtClean="0"/>
+              <a:t>By Comparing </a:t>
+            </a:r>
+            <a:r>
+              <a:rPr lang="en-US" dirty="0"/>
+              <a:t>against the </a:t>
+            </a:r>
+            <a:r>
+              <a:rPr lang="en-US" dirty="0" smtClean="0"/>
+              <a:t>benchmark </a:t>
+            </a:r>
+            <a:r>
+              <a:rPr lang="en-US" dirty="0"/>
+              <a:t>caching </a:t>
+            </a:r>
+            <a:r>
+              <a:rPr lang="en-US" dirty="0" smtClean="0"/>
+              <a:t>policy (i.e</a:t>
+            </a:r>
+            <a:r>
+              <a:rPr lang="en-US" dirty="0"/>
+              <a:t>. blindly taking all previous defined RDDs as dependencies without doing data-flow </a:t>
+            </a:r>
+            <a:r>
+              <a:rPr lang="en-US" dirty="0" smtClean="0"/>
+              <a:t>analysis). </a:t>
+            </a:r>
+            <a:endParaRPr lang="en-US" dirty="0"/>
+          </a:p>
+          <a:p>
+            <a:r>
+              <a:rPr lang="en-US" dirty="0">
+                <a:solidFill>
+                  <a:srgbClr val="FF0000"/>
+                </a:solidFill>
+              </a:rPr>
+              <a:t>V</a:t>
+            </a:r>
+            <a:r>
+              <a:rPr lang="en-US" dirty="0" smtClean="0">
+                <a:solidFill>
+                  <a:srgbClr val="FF0000"/>
+                </a:solidFill>
+              </a:rPr>
+              <a:t>ariables </a:t>
+            </a:r>
+            <a:r>
+              <a:rPr lang="en-US" dirty="0">
+                <a:solidFill>
+                  <a:srgbClr val="FF0000"/>
+                </a:solidFill>
+              </a:rPr>
+              <a:t>in the user program that represent the same RDD in terms of </a:t>
+            </a:r>
+            <a:r>
+              <a:rPr lang="en-US" dirty="0" err="1">
+                <a:solidFill>
+                  <a:srgbClr val="FF0000"/>
+                </a:solidFill>
+              </a:rPr>
+              <a:t>materalization</a:t>
+            </a:r>
+            <a:r>
+              <a:rPr lang="en-US" dirty="0">
+                <a:solidFill>
+                  <a:srgbClr val="FF0000"/>
+                </a:solidFill>
+              </a:rPr>
+              <a:t> </a:t>
+            </a:r>
+            <a:endParaRPr lang="en-US" dirty="0" smtClean="0">
+              <a:solidFill>
+                <a:srgbClr val="FF0000"/>
+              </a:solidFill>
+            </a:endParaRPr>
+          </a:p>
+          <a:p>
+            <a:pPr lvl="1"/>
+            <a:r>
+              <a:rPr lang="en-US" dirty="0" smtClean="0"/>
+              <a:t>Reading </a:t>
+            </a:r>
+            <a:r>
+              <a:rPr lang="en-US" dirty="0"/>
+              <a:t>the same input from disk multiple </a:t>
+            </a:r>
+            <a:r>
+              <a:rPr lang="en-US" dirty="0" smtClean="0"/>
+              <a:t>times</a:t>
+            </a:r>
+          </a:p>
+          <a:p>
+            <a:pPr lvl="1"/>
+            <a:r>
+              <a:rPr lang="en-US" dirty="0"/>
+              <a:t>A</a:t>
+            </a:r>
+            <a:r>
+              <a:rPr lang="en-US" dirty="0" smtClean="0"/>
+              <a:t>pply </a:t>
+            </a:r>
+            <a:r>
+              <a:rPr lang="en-US" dirty="0"/>
+              <a:t>semantically </a:t>
+            </a:r>
+            <a:r>
+              <a:rPr lang="en-US" dirty="0" smtClean="0"/>
+              <a:t>same mapper/aggregation </a:t>
+            </a:r>
+            <a:r>
+              <a:rPr lang="en-US" dirty="0"/>
+              <a:t>functions more than once to the </a:t>
+            </a:r>
+            <a:r>
+              <a:rPr lang="en-US" dirty="0" smtClean="0"/>
+              <a:t>dataset. </a:t>
+            </a:r>
+            <a:endParaRPr lang="en-US" dirty="0"/>
+          </a:p>
+          <a:p>
+            <a:pPr lvl="1"/>
+            <a:r>
+              <a:rPr lang="en-US" dirty="0" smtClean="0"/>
+              <a:t>This </a:t>
+            </a:r>
+            <a:r>
+              <a:rPr lang="en-US" dirty="0"/>
+              <a:t>limitation is also impossible to avoid in Spark since there is no algorithm that is guaranteed to halt for equivalence relation </a:t>
+            </a:r>
+            <a:r>
+              <a:rPr lang="en-US" dirty="0" smtClean="0"/>
+              <a:t>detection. </a:t>
+            </a:r>
+            <a:endParaRPr lang="en-US" dirty="0"/>
+          </a:p>
+          <a:p>
+            <a:endParaRPr lang="en-US" dirty="0">
+              <a:solidFill>
+                <a:srgbClr val="FF0000"/>
+              </a:solidFill>
+            </a:endParaRPr>
+          </a:p>
+          <a:p>
+            <a:endParaRPr lang="en-US" dirty="0"/>
+          </a:p>
+          <a:p>
+            <a:endParaRPr lang="en-US" dirty="0"/>
+          </a:p>
+        </p:txBody>
+      </p:sp>
+    </p:spTree>
+    <p:extLst>
+      <p:ext uri="{BB962C8B-B14F-4D97-AF65-F5344CB8AC3E}">
+        <p14:creationId xmlns:p14="http://schemas.microsoft.com/office/powerpoint/2010/main" val="331879265"/>
+      </p:ext>
+    </p:extLst>
+  </p:cSld>
+  <p:clrMapOvr>
+    <a:masterClrMapping/>
+  </p:clrMapOvr>
+</p:sld>
+</file>
+
+<file path=ppt/slides/slide17.xml><?xml version="1.0" encoding="utf-8"?>
+<p:sld xmlns:a="http://schemas.openxmlformats.org/drawingml/2006/main" xmlns:r="http://schemas.openxmlformats.org/officeDocument/2006/relationships" xmlns:p="http://schemas.openxmlformats.org/presentationml/2006/main">
+  <p:cSld>
+    <p:spTree>
+      <p:nvGrpSpPr>
+        <p:cNvPr id="1" name=""/>
+        <p:cNvGrpSpPr/>
+        <p:nvPr/>
+      </p:nvGrpSpPr>
+      <p:grpSpPr>
+        <a:xfrm>
+          <a:off x="0" y="0"/>
+          <a:ext cx="0" cy="0"/>
+          <a:chOff x="0" y="0"/>
+          <a:chExt cx="0" cy="0"/>
+        </a:xfrm>
+      </p:grpSpPr>
+      <p:sp>
+        <p:nvSpPr>
+          <p:cNvPr id="2" name="Title 1"/>
+          <p:cNvSpPr>
+            <a:spLocks noGrp="1"/>
+          </p:cNvSpPr>
+          <p:nvPr>
+            <p:ph type="title"/>
+          </p:nvPr>
+        </p:nvSpPr>
+        <p:spPr/>
+        <p:txBody>
+          <a:bodyPr/>
+          <a:lstStyle/>
+          <a:p>
+            <a:pPr algn="ctr"/>
+            <a:r>
+              <a:rPr lang="en-US" dirty="0" smtClean="0"/>
+              <a:t>Proposed Approach</a:t>
+            </a:r>
+            <a:br>
+              <a:rPr lang="en-US" dirty="0" smtClean="0"/>
+            </a:br>
+            <a:r>
+              <a:rPr lang="en-US" dirty="0" smtClean="0"/>
+              <a:t>System Design</a:t>
+            </a:r>
+            <a:endParaRPr lang="en-US" dirty="0"/>
+          </a:p>
+        </p:txBody>
+      </p:sp>
+      <p:sp>
+        <p:nvSpPr>
+          <p:cNvPr id="3" name="Content Placeholder 2"/>
+          <p:cNvSpPr>
+            <a:spLocks noGrp="1"/>
+          </p:cNvSpPr>
+          <p:nvPr>
+            <p:ph idx="1"/>
+          </p:nvPr>
+        </p:nvSpPr>
+        <p:spPr>
+          <a:xfrm>
+            <a:off x="677333" y="2160589"/>
+            <a:ext cx="8883355" cy="4101315"/>
+          </a:xfrm>
+        </p:spPr>
+        <p:txBody>
+          <a:bodyPr>
+            <a:normAutofit/>
+          </a:bodyPr>
+          <a:lstStyle/>
+          <a:p>
+            <a:r>
+              <a:rPr lang="en-US" dirty="0" smtClean="0"/>
+              <a:t>Spark </a:t>
+            </a:r>
+            <a:r>
+              <a:rPr lang="en-US" dirty="0"/>
+              <a:t>RDD is </a:t>
+            </a:r>
+            <a:r>
+              <a:rPr lang="en-US" dirty="0" smtClean="0"/>
+              <a:t>represented </a:t>
+            </a:r>
+            <a:r>
+              <a:rPr lang="en-US" dirty="0"/>
+              <a:t>as a immutable variable in the Scala </a:t>
+            </a:r>
+            <a:r>
+              <a:rPr lang="en-US" dirty="0" err="1" smtClean="0"/>
+              <a:t>progra</a:t>
+            </a:r>
+            <a:endParaRPr lang="en-US" dirty="0" smtClean="0"/>
+          </a:p>
+          <a:p>
+            <a:pPr lvl="1"/>
+            <a:r>
+              <a:rPr lang="en-US" dirty="0"/>
+              <a:t>E</a:t>
+            </a:r>
+            <a:r>
+              <a:rPr lang="en-US" dirty="0" smtClean="0"/>
+              <a:t>xplicitly </a:t>
+            </a:r>
+            <a:r>
+              <a:rPr lang="en-US" dirty="0"/>
+              <a:t>declared using </a:t>
+            </a:r>
+            <a:r>
+              <a:rPr lang="en-US" dirty="0" err="1"/>
+              <a:t>val</a:t>
+            </a:r>
+            <a:r>
+              <a:rPr lang="en-US" dirty="0"/>
+              <a:t> </a:t>
+            </a:r>
+            <a:r>
+              <a:rPr lang="en-US" dirty="0" smtClean="0"/>
+              <a:t>keyword. </a:t>
+            </a:r>
+            <a:endParaRPr lang="en-US" dirty="0"/>
+          </a:p>
+          <a:p>
+            <a:pPr lvl="1"/>
+            <a:r>
+              <a:rPr lang="en-US" dirty="0"/>
+              <a:t>I</a:t>
+            </a:r>
+            <a:r>
+              <a:rPr lang="en-US" dirty="0" smtClean="0"/>
+              <a:t>mplicitly </a:t>
+            </a:r>
+            <a:r>
+              <a:rPr lang="en-US" dirty="0"/>
+              <a:t>declared in the return value of chaining method </a:t>
+            </a:r>
+            <a:r>
+              <a:rPr lang="en-US" dirty="0" smtClean="0"/>
+              <a:t>calls.</a:t>
+            </a:r>
+            <a:endParaRPr lang="en-US" dirty="0"/>
+          </a:p>
+          <a:p>
+            <a:r>
+              <a:rPr lang="en-US" dirty="0" smtClean="0"/>
+              <a:t>Data </a:t>
+            </a:r>
+            <a:r>
+              <a:rPr lang="en-US" dirty="0"/>
+              <a:t>flow graph of RDD variables, which is available at compile-time when constructing the </a:t>
+            </a:r>
+            <a:r>
+              <a:rPr lang="en-US" dirty="0" err="1"/>
+              <a:t>def</a:t>
+            </a:r>
+            <a:r>
+              <a:rPr lang="en-US" dirty="0"/>
+              <a:t>-use chain for each of the </a:t>
+            </a:r>
+            <a:r>
+              <a:rPr lang="en-US" dirty="0" smtClean="0"/>
+              <a:t>program.</a:t>
+            </a:r>
+          </a:p>
+          <a:p>
+            <a:r>
+              <a:rPr lang="en-US" dirty="0"/>
+              <a:t>After merging the dependency graphs of all output into a single </a:t>
+            </a:r>
+            <a:r>
+              <a:rPr lang="en-US" dirty="0" smtClean="0"/>
+              <a:t>monolithic </a:t>
+            </a:r>
+            <a:r>
+              <a:rPr lang="en-US" dirty="0"/>
+              <a:t>dependency </a:t>
+            </a:r>
+            <a:r>
+              <a:rPr lang="en-US" dirty="0" smtClean="0"/>
+              <a:t>graph.</a:t>
+            </a:r>
+          </a:p>
+          <a:p>
+            <a:pPr lvl="1"/>
+            <a:r>
+              <a:rPr lang="en-US" dirty="0" smtClean="0"/>
+              <a:t>prune </a:t>
+            </a:r>
+            <a:r>
+              <a:rPr lang="en-US" dirty="0"/>
+              <a:t>to paths that do not lead to an </a:t>
+            </a:r>
+            <a:r>
+              <a:rPr lang="en-US" dirty="0" smtClean="0"/>
+              <a:t>output.</a:t>
+            </a:r>
+          </a:p>
+          <a:p>
+            <a:r>
+              <a:rPr lang="en-US" dirty="0" smtClean="0"/>
+              <a:t>The </a:t>
+            </a:r>
+            <a:r>
+              <a:rPr lang="en-US" dirty="0"/>
+              <a:t>out degrees of the intermediate nodes in the graph will be used to determine whether an alternative caching policy </a:t>
+            </a:r>
+            <a:endParaRPr lang="en-US" dirty="0"/>
+          </a:p>
+          <a:p>
+            <a:r>
+              <a:rPr lang="en-US" dirty="0" smtClean="0"/>
+              <a:t>Caching is prioritized in the descending order</a:t>
+            </a:r>
+            <a:r>
+              <a:rPr lang="en-US" dirty="0"/>
+              <a:t> </a:t>
+            </a:r>
+            <a:r>
+              <a:rPr lang="en-US" dirty="0" smtClean="0"/>
+              <a:t>of intermediate nodes</a:t>
+            </a:r>
+            <a:endParaRPr lang="en-US" dirty="0"/>
+          </a:p>
+          <a:p>
+            <a:endParaRPr lang="en-US" dirty="0">
+              <a:solidFill>
+                <a:srgbClr val="FF0000"/>
+              </a:solidFill>
+            </a:endParaRPr>
+          </a:p>
+          <a:p>
+            <a:endParaRPr lang="en-US" dirty="0"/>
+          </a:p>
+          <a:p>
+            <a:endParaRPr lang="en-US" dirty="0"/>
+          </a:p>
+        </p:txBody>
+      </p:sp>
+    </p:spTree>
+    <p:extLst>
+      <p:ext uri="{BB962C8B-B14F-4D97-AF65-F5344CB8AC3E}">
+        <p14:creationId xmlns:p14="http://schemas.microsoft.com/office/powerpoint/2010/main" val="1247119525"/>
+      </p:ext>
+    </p:extLst>
+  </p:cSld>
+  <p:clrMapOvr>
+    <a:masterClrMapping/>
+  </p:clrMapOvr>
+</p:sld>
+</file>
+
+<file path=ppt/slides/slide18.xml><?xml version="1.0" encoding="utf-8"?>
+<p:sld xmlns:a="http://schemas.openxmlformats.org/drawingml/2006/main" xmlns:r="http://schemas.openxmlformats.org/officeDocument/2006/relationships" xmlns:p="http://schemas.openxmlformats.org/presentationml/2006/main">
+  <p:cSld>
+    <p:spTree>
+      <p:nvGrpSpPr>
+        <p:cNvPr id="1" name=""/>
+        <p:cNvGrpSpPr/>
+        <p:nvPr/>
+      </p:nvGrpSpPr>
+      <p:grpSpPr>
+        <a:xfrm>
+          <a:off x="0" y="0"/>
+          <a:ext cx="0" cy="0"/>
+          <a:chOff x="0" y="0"/>
+          <a:chExt cx="0" cy="0"/>
+        </a:xfrm>
+      </p:grpSpPr>
+      <p:sp>
+        <p:nvSpPr>
+          <p:cNvPr id="2" name="Title 1"/>
+          <p:cNvSpPr>
+            <a:spLocks noGrp="1"/>
+          </p:cNvSpPr>
+          <p:nvPr>
+            <p:ph type="title"/>
+          </p:nvPr>
+        </p:nvSpPr>
+        <p:spPr/>
+        <p:txBody>
+          <a:bodyPr/>
+          <a:lstStyle/>
+          <a:p>
+            <a:pPr algn="ctr"/>
+            <a:r>
+              <a:rPr lang="en-US" dirty="0" smtClean="0"/>
+              <a:t>Proposed Approach</a:t>
+            </a:r>
+            <a:br>
+              <a:rPr lang="en-US" dirty="0" smtClean="0"/>
+            </a:br>
+            <a:r>
+              <a:rPr lang="en-US" dirty="0" smtClean="0"/>
+              <a:t>Example</a:t>
+            </a:r>
+            <a:endParaRPr lang="en-US" dirty="0"/>
+          </a:p>
+        </p:txBody>
+      </p:sp>
+      <p:pic>
+        <p:nvPicPr>
+          <p:cNvPr id="5" name="Content Placeholder 4"/>
+          <p:cNvPicPr>
+            <a:picLocks noGrp="1" noChangeAspect="1"/>
+          </p:cNvPicPr>
+          <p:nvPr>
+            <p:ph idx="1"/>
+          </p:nvPr>
+        </p:nvPicPr>
+        <p:blipFill>
+          <a:blip r:embed="rId2">
+            <a:extLst>
+              <a:ext uri="{28A0092B-C50C-407E-A947-70E740481C1C}">
+                <a14:useLocalDpi xmlns:a14="http://schemas.microsoft.com/office/drawing/2010/main" val="0"/>
+              </a:ext>
+            </a:extLst>
+          </a:blip>
+          <a:stretch>
+            <a:fillRect/>
+          </a:stretch>
+        </p:blipFill>
+        <p:spPr>
+          <a:xfrm>
+            <a:off x="781563" y="2160588"/>
+            <a:ext cx="8388912" cy="3881437"/>
+          </a:xfrm>
+        </p:spPr>
+      </p:pic>
+    </p:spTree>
+    <p:extLst>
+      <p:ext uri="{BB962C8B-B14F-4D97-AF65-F5344CB8AC3E}">
+        <p14:creationId xmlns:p14="http://schemas.microsoft.com/office/powerpoint/2010/main" val="1391733408"/>
+      </p:ext>
+    </p:extLst>
+  </p:cSld>
+  <p:clrMapOvr>
+    <a:masterClrMapping/>
+  </p:clrMapOvr>
+</p:sld>
+</file>
+
+<file path=ppt/slides/slide19.xml><?xml version="1.0" encoding="utf-8"?>
+<p:sld xmlns:a="http://schemas.openxmlformats.org/drawingml/2006/main" xmlns:r="http://schemas.openxmlformats.org/officeDocument/2006/relationships" xmlns:p="http://schemas.openxmlformats.org/presentationml/2006/main">
+  <p:cSld>
+    <p:spTree>
+      <p:nvGrpSpPr>
+        <p:cNvPr id="1" name=""/>
+        <p:cNvGrpSpPr/>
+        <p:nvPr/>
+      </p:nvGrpSpPr>
+      <p:grpSpPr>
+        <a:xfrm>
+          <a:off x="0" y="0"/>
+          <a:ext cx="0" cy="0"/>
+          <a:chOff x="0" y="0"/>
+          <a:chExt cx="0" cy="0"/>
+        </a:xfrm>
+      </p:grpSpPr>
+      <p:sp>
+        <p:nvSpPr>
+          <p:cNvPr id="2" name="Title 1"/>
+          <p:cNvSpPr>
+            <a:spLocks noGrp="1"/>
+          </p:cNvSpPr>
+          <p:nvPr>
+            <p:ph type="title"/>
+          </p:nvPr>
+        </p:nvSpPr>
+        <p:spPr/>
+        <p:txBody>
+          <a:bodyPr/>
+          <a:lstStyle/>
+          <a:p>
+            <a:pPr algn="ctr"/>
+            <a:r>
+              <a:rPr lang="en-US" dirty="0" smtClean="0"/>
+              <a:t>Proposed Approach</a:t>
+            </a:r>
+            <a:br>
+              <a:rPr lang="en-US" dirty="0" smtClean="0"/>
+            </a:br>
+            <a:r>
+              <a:rPr lang="en-US" dirty="0" smtClean="0"/>
+              <a:t>Example</a:t>
+            </a:r>
+            <a:endParaRPr lang="en-US" dirty="0"/>
+          </a:p>
+        </p:txBody>
+      </p:sp>
+      <p:sp>
+        <p:nvSpPr>
+          <p:cNvPr id="8" name="Content Placeholder 7"/>
+          <p:cNvSpPr>
+            <a:spLocks noGrp="1"/>
+          </p:cNvSpPr>
+          <p:nvPr>
+            <p:ph idx="1"/>
+          </p:nvPr>
+        </p:nvSpPr>
+        <p:spPr/>
+        <p:txBody>
+          <a:bodyPr/>
+          <a:lstStyle/>
+          <a:p>
+            <a:pPr marL="0" indent="0" algn="ctr">
+              <a:buNone/>
+            </a:pPr>
+            <a:r>
+              <a:rPr lang="en-US" dirty="0" err="1"/>
+              <a:t>val</a:t>
+            </a:r>
+            <a:r>
+              <a:rPr lang="en-US" dirty="0"/>
+              <a:t> lines = </a:t>
+            </a:r>
+            <a:r>
+              <a:rPr lang="en-US" dirty="0" err="1"/>
+              <a:t>spark.textFile</a:t>
+            </a:r>
+            <a:r>
+              <a:rPr lang="en-US" dirty="0"/>
+              <a:t>("</a:t>
+            </a:r>
+            <a:r>
+              <a:rPr lang="en-US" dirty="0" err="1"/>
+              <a:t>hdfs</a:t>
+            </a:r>
+            <a:r>
+              <a:rPr lang="en-US" dirty="0"/>
+              <a:t>://</a:t>
+            </a:r>
+            <a:r>
+              <a:rPr lang="en-US" dirty="0" err="1"/>
+              <a:t>inputData</a:t>
+            </a:r>
+            <a:r>
+              <a:rPr lang="en-US" dirty="0" smtClean="0"/>
+              <a:t>")</a:t>
+            </a:r>
+            <a:endParaRPr lang="en-US" dirty="0"/>
+          </a:p>
+          <a:p>
+            <a:pPr marL="0" indent="0" algn="ctr">
+              <a:buNone/>
+            </a:pPr>
+            <a:r>
+              <a:rPr lang="en-US" dirty="0" err="1" smtClean="0"/>
+              <a:t>val</a:t>
+            </a:r>
+            <a:r>
+              <a:rPr lang="en-US" dirty="0" smtClean="0"/>
+              <a:t> </a:t>
+            </a:r>
+            <a:r>
+              <a:rPr lang="en-US" dirty="0"/>
+              <a:t>errors = </a:t>
+            </a:r>
+            <a:r>
+              <a:rPr lang="en-US" dirty="0" err="1"/>
+              <a:t>lines.filter</a:t>
+            </a:r>
+            <a:r>
+              <a:rPr lang="en-US" dirty="0"/>
+              <a:t>(_.</a:t>
+            </a:r>
+            <a:r>
+              <a:rPr lang="en-US" dirty="0" err="1"/>
+              <a:t>startsWith</a:t>
+            </a:r>
+            <a:r>
+              <a:rPr lang="en-US" dirty="0"/>
+              <a:t>("ERROR"))</a:t>
+            </a:r>
+          </a:p>
+          <a:p>
+            <a:pPr marL="0" marR="0" lvl="0" indent="0" algn="ctr" defTabSz="914400" eaLnBrk="1" fontAlgn="auto" latinLnBrk="0" hangingPunct="1">
+              <a:lnSpc>
+                <a:spcPct val="100000"/>
+              </a:lnSpc>
+              <a:spcBef>
+                <a:spcPts val="0"/>
+              </a:spcBef>
+              <a:spcAft>
+                <a:spcPts val="0"/>
+              </a:spcAft>
+              <a:buClrTx/>
+              <a:buSzTx/>
+              <a:buFontTx/>
+              <a:buNone/>
+              <a:tabLst/>
+              <a:defRPr/>
+            </a:pPr>
+            <a:endParaRPr lang="en-US" dirty="0" smtClean="0"/>
+          </a:p>
+          <a:p>
+            <a:pPr marL="0" marR="0" lvl="0" indent="0" algn="ctr" defTabSz="914400" eaLnBrk="1" fontAlgn="auto" latinLnBrk="0" hangingPunct="1">
+              <a:lnSpc>
+                <a:spcPct val="100000"/>
+              </a:lnSpc>
+              <a:spcBef>
+                <a:spcPts val="0"/>
+              </a:spcBef>
+              <a:spcAft>
+                <a:spcPts val="0"/>
+              </a:spcAft>
+              <a:buClrTx/>
+              <a:buSzTx/>
+              <a:buFontTx/>
+              <a:buNone/>
+              <a:tabLst/>
+              <a:defRPr/>
+            </a:pPr>
+            <a:r>
+              <a:rPr lang="en-US" dirty="0" smtClean="0"/>
+              <a:t>Dependency detected between </a:t>
+            </a:r>
+            <a:r>
+              <a:rPr lang="en-US" dirty="0" err="1" smtClean="0"/>
+              <a:t>errors_php</a:t>
+            </a:r>
+            <a:r>
+              <a:rPr lang="en-US" dirty="0" smtClean="0"/>
+              <a:t> and </a:t>
+            </a:r>
+            <a:r>
+              <a:rPr lang="en-US" dirty="0" err="1" smtClean="0"/>
+              <a:t>errors_mysql</a:t>
+            </a:r>
+            <a:endParaRPr lang="en-US" dirty="0" smtClean="0"/>
+          </a:p>
+          <a:p>
+            <a:pPr marL="0" marR="0" lvl="0" indent="0" algn="ctr" defTabSz="914400" eaLnBrk="1" fontAlgn="auto" latinLnBrk="0" hangingPunct="1">
+              <a:lnSpc>
+                <a:spcPct val="100000"/>
+              </a:lnSpc>
+              <a:spcBef>
+                <a:spcPts val="0"/>
+              </a:spcBef>
+              <a:spcAft>
+                <a:spcPts val="0"/>
+              </a:spcAft>
+              <a:buClrTx/>
+              <a:buSzTx/>
+              <a:buFontTx/>
+              <a:buNone/>
+              <a:tabLst/>
+              <a:defRPr/>
+            </a:pPr>
+            <a:endParaRPr lang="en-US" dirty="0"/>
+          </a:p>
+          <a:p>
+            <a:pPr marL="0" marR="0" lvl="0" indent="0" algn="ctr" defTabSz="914400" eaLnBrk="1" fontAlgn="auto" latinLnBrk="0" hangingPunct="1">
+              <a:lnSpc>
+                <a:spcPct val="100000"/>
+              </a:lnSpc>
+              <a:spcBef>
+                <a:spcPts val="0"/>
+              </a:spcBef>
+              <a:spcAft>
+                <a:spcPts val="0"/>
+              </a:spcAft>
+              <a:buClrTx/>
+              <a:buSzTx/>
+              <a:buFontTx/>
+              <a:buNone/>
+              <a:tabLst/>
+              <a:defRPr/>
+            </a:pPr>
+            <a:r>
+              <a:rPr lang="en-US" dirty="0" smtClean="0"/>
+              <a:t>At this point the call to </a:t>
+            </a:r>
+            <a:r>
+              <a:rPr lang="en-US" dirty="0" err="1" smtClean="0"/>
+              <a:t>errors.cache</a:t>
+            </a:r>
+            <a:r>
+              <a:rPr lang="en-US" dirty="0" smtClean="0"/>
+              <a:t> is injected at the compilation time</a:t>
+            </a:r>
+            <a:endParaRPr lang="en-US" dirty="0"/>
+          </a:p>
+          <a:p>
+            <a:pPr marL="0" indent="0" algn="ctr" defTabSz="914400">
+              <a:spcBef>
+                <a:spcPts val="0"/>
+              </a:spcBef>
+              <a:buClrTx/>
+              <a:buSzTx/>
+              <a:buNone/>
+            </a:pPr>
+            <a:r>
+              <a:rPr lang="en-US" dirty="0" err="1">
+                <a:solidFill>
+                  <a:srgbClr val="FF0000"/>
+                </a:solidFill>
+              </a:rPr>
+              <a:t>errors.cache</a:t>
+            </a:r>
+            <a:r>
+              <a:rPr lang="en-US" dirty="0" smtClean="0">
+                <a:solidFill>
+                  <a:srgbClr val="FF0000"/>
+                </a:solidFill>
+              </a:rPr>
+              <a:t>()</a:t>
+            </a:r>
+          </a:p>
+          <a:p>
+            <a:pPr marL="0" indent="0" algn="ctr" defTabSz="914400">
+              <a:spcBef>
+                <a:spcPts val="0"/>
+              </a:spcBef>
+              <a:buClrTx/>
+              <a:buSzTx/>
+              <a:buNone/>
+            </a:pPr>
+            <a:endParaRPr lang="en-US" dirty="0">
+              <a:solidFill>
+                <a:srgbClr val="FF0000"/>
+              </a:solidFill>
+            </a:endParaRPr>
+          </a:p>
+          <a:p>
+            <a:pPr marL="0" indent="0" algn="ctr">
+              <a:buNone/>
+            </a:pPr>
+            <a:r>
+              <a:rPr lang="en-US" dirty="0" err="1"/>
+              <a:t>val</a:t>
+            </a:r>
+            <a:r>
+              <a:rPr lang="en-US" dirty="0"/>
+              <a:t> </a:t>
+            </a:r>
+            <a:r>
+              <a:rPr lang="en-US" dirty="0" err="1"/>
+              <a:t>num_error_php</a:t>
+            </a:r>
+            <a:r>
+              <a:rPr lang="en-US" dirty="0"/>
+              <a:t> = </a:t>
+            </a:r>
+            <a:r>
+              <a:rPr lang="en-US" dirty="0" err="1"/>
+              <a:t>errors.filter</a:t>
+            </a:r>
+            <a:r>
+              <a:rPr lang="en-US" dirty="0"/>
+              <a:t>(_.contains("</a:t>
+            </a:r>
+            <a:r>
+              <a:rPr lang="en-US" dirty="0" err="1"/>
+              <a:t>php</a:t>
+            </a:r>
+            <a:r>
+              <a:rPr lang="en-US" dirty="0"/>
+              <a:t>")).count()</a:t>
+            </a:r>
+          </a:p>
+          <a:p>
+            <a:pPr marL="0" indent="0" algn="ctr">
+              <a:buNone/>
+            </a:pPr>
+            <a:r>
+              <a:rPr lang="en-US" dirty="0" err="1" smtClean="0"/>
+              <a:t>val</a:t>
+            </a:r>
+            <a:r>
+              <a:rPr lang="en-US" dirty="0" smtClean="0"/>
+              <a:t> </a:t>
+            </a:r>
+            <a:r>
+              <a:rPr lang="en-US" dirty="0" err="1" smtClean="0"/>
+              <a:t>num_error_mysql</a:t>
+            </a:r>
+            <a:r>
+              <a:rPr lang="en-US" dirty="0" smtClean="0"/>
+              <a:t> = </a:t>
+            </a:r>
+            <a:r>
+              <a:rPr lang="en-US" dirty="0" err="1" smtClean="0">
+                <a:solidFill>
+                  <a:srgbClr val="FF0000"/>
+                </a:solidFill>
+              </a:rPr>
+              <a:t>errors.filter</a:t>
+            </a:r>
+            <a:r>
+              <a:rPr lang="en-US" dirty="0" smtClean="0">
+                <a:solidFill>
+                  <a:srgbClr val="FF0000"/>
+                </a:solidFill>
+              </a:rPr>
+              <a:t>(_.contains("</a:t>
+            </a:r>
+            <a:r>
+              <a:rPr lang="en-US" dirty="0" err="1" smtClean="0">
+                <a:solidFill>
+                  <a:srgbClr val="FF0000"/>
+                </a:solidFill>
+              </a:rPr>
+              <a:t>mysql</a:t>
+            </a:r>
+            <a:r>
+              <a:rPr lang="en-US" dirty="0" smtClean="0">
+                <a:solidFill>
+                  <a:srgbClr val="FF0000"/>
+                </a:solidFill>
+              </a:rPr>
+              <a:t>")).count()</a:t>
+            </a:r>
+          </a:p>
+          <a:p>
+            <a:pPr marL="0" indent="0" algn="ctr">
+              <a:buNone/>
+            </a:pPr>
+            <a:r>
+              <a:rPr lang="en-US" dirty="0" smtClean="0">
+                <a:solidFill>
+                  <a:srgbClr val="FF0000"/>
+                </a:solidFill>
+              </a:rPr>
+              <a:t>No need to read </a:t>
+            </a:r>
+            <a:r>
+              <a:rPr lang="en-US" dirty="0" err="1" smtClean="0">
+                <a:solidFill>
+                  <a:srgbClr val="FF0000"/>
+                </a:solidFill>
+              </a:rPr>
+              <a:t>inputData</a:t>
+            </a:r>
+            <a:r>
+              <a:rPr lang="en-US" dirty="0" smtClean="0">
+                <a:solidFill>
+                  <a:srgbClr val="FF0000"/>
+                </a:solidFill>
+              </a:rPr>
+              <a:t> again</a:t>
+            </a:r>
+            <a:endParaRPr lang="en-US" dirty="0" smtClean="0">
+              <a:solidFill>
+                <a:schemeClr val="tx1"/>
+              </a:solidFill>
+            </a:endParaRPr>
+          </a:p>
+          <a:p>
+            <a:pPr marL="0" indent="0" algn="ctr" defTabSz="914400">
+              <a:spcBef>
+                <a:spcPts val="0"/>
+              </a:spcBef>
+              <a:buClrTx/>
+              <a:buSzTx/>
+              <a:buNone/>
+            </a:pPr>
+            <a:endParaRPr lang="en-US" dirty="0">
+              <a:solidFill>
+                <a:srgbClr val="FF0000"/>
+              </a:solidFill>
+            </a:endParaRPr>
+          </a:p>
+        </p:txBody>
+      </p:sp>
+    </p:spTree>
+    <p:extLst>
+      <p:ext uri="{BB962C8B-B14F-4D97-AF65-F5344CB8AC3E}">
+        <p14:creationId xmlns:p14="http://schemas.microsoft.com/office/powerpoint/2010/main" val="346671794"/>
       </p:ext>
     </p:extLst>
   </p:cSld>
@@ -6991,8 +8874,9 @@
           <a:p>
             <a:r>
               <a:rPr lang="en-US" sz="3200" dirty="0" smtClean="0"/>
-              <a:t>Planned Approach</a:t>
-            </a:r>
+              <a:t>Proposed Approach</a:t>
+            </a:r>
+            <a:endParaRPr lang="en-US" sz="3200" dirty="0" smtClean="0"/>
           </a:p>
           <a:p>
             <a:r>
@@ -7007,6 +8891,253 @@
     <p:extLst>
       <p:ext uri="{BB962C8B-B14F-4D97-AF65-F5344CB8AC3E}">
         <p14:creationId xmlns:p14="http://schemas.microsoft.com/office/powerpoint/2010/main" val="765355854"/>
+      </p:ext>
+    </p:extLst>
+  </p:cSld>
+  <p:clrMapOvr>
+    <a:masterClrMapping/>
+  </p:clrMapOvr>
+</p:sld>
+</file>
+
+<file path=ppt/slides/slide20.xml><?xml version="1.0" encoding="utf-8"?>
+<p:sld xmlns:a="http://schemas.openxmlformats.org/drawingml/2006/main" xmlns:r="http://schemas.openxmlformats.org/officeDocument/2006/relationships" xmlns:p="http://schemas.openxmlformats.org/presentationml/2006/main">
+  <p:cSld>
+    <p:spTree>
+      <p:nvGrpSpPr>
+        <p:cNvPr id="1" name=""/>
+        <p:cNvGrpSpPr/>
+        <p:nvPr/>
+      </p:nvGrpSpPr>
+      <p:grpSpPr>
+        <a:xfrm>
+          <a:off x="0" y="0"/>
+          <a:ext cx="0" cy="0"/>
+          <a:chOff x="0" y="0"/>
+          <a:chExt cx="0" cy="0"/>
+        </a:xfrm>
+      </p:grpSpPr>
+      <p:sp>
+        <p:nvSpPr>
+          <p:cNvPr id="2" name="Title 1"/>
+          <p:cNvSpPr>
+            <a:spLocks noGrp="1"/>
+          </p:cNvSpPr>
+          <p:nvPr>
+            <p:ph type="title"/>
+          </p:nvPr>
+        </p:nvSpPr>
+        <p:spPr/>
+        <p:txBody>
+          <a:bodyPr/>
+          <a:lstStyle/>
+          <a:p>
+            <a:pPr algn="ctr"/>
+            <a:r>
+              <a:rPr lang="en-US" dirty="0" smtClean="0"/>
+              <a:t>Future Work</a:t>
+            </a:r>
+            <a:endParaRPr lang="en-US" dirty="0"/>
+          </a:p>
+        </p:txBody>
+      </p:sp>
+      <p:sp>
+        <p:nvSpPr>
+          <p:cNvPr id="3" name="Content Placeholder 2"/>
+          <p:cNvSpPr>
+            <a:spLocks noGrp="1"/>
+          </p:cNvSpPr>
+          <p:nvPr>
+            <p:ph idx="1"/>
+          </p:nvPr>
+        </p:nvSpPr>
+        <p:spPr>
+          <a:xfrm>
+            <a:off x="677333" y="2160589"/>
+            <a:ext cx="8883355" cy="4101315"/>
+          </a:xfrm>
+        </p:spPr>
+        <p:txBody>
+          <a:bodyPr>
+            <a:normAutofit/>
+          </a:bodyPr>
+          <a:lstStyle/>
+          <a:p>
+            <a:r>
+              <a:rPr lang="en-US" sz="2400" dirty="0" smtClean="0">
+                <a:solidFill>
+                  <a:schemeClr val="tx1">
+                    <a:lumMod val="95000"/>
+                    <a:lumOff val="5000"/>
+                  </a:schemeClr>
+                </a:solidFill>
+              </a:rPr>
+              <a:t>Fully understand the compilation engine of SPARK framework.</a:t>
+            </a:r>
+          </a:p>
+          <a:p>
+            <a:r>
+              <a:rPr lang="en-US" sz="2400" dirty="0" smtClean="0">
+                <a:solidFill>
+                  <a:schemeClr val="tx1">
+                    <a:lumMod val="95000"/>
+                    <a:lumOff val="5000"/>
+                  </a:schemeClr>
+                </a:solidFill>
+              </a:rPr>
+              <a:t>Build an algorithm to extract the data-flow dependencies among submitted jobs.</a:t>
+            </a:r>
+          </a:p>
+          <a:p>
+            <a:r>
+              <a:rPr lang="en-US" sz="2400" dirty="0" smtClean="0">
+                <a:solidFill>
+                  <a:schemeClr val="tx1">
+                    <a:lumMod val="95000"/>
+                    <a:lumOff val="5000"/>
+                  </a:schemeClr>
+                </a:solidFill>
+              </a:rPr>
+              <a:t>Build a tree to prioritize RDDs based on their order and out degree.</a:t>
+            </a:r>
+          </a:p>
+          <a:p>
+            <a:r>
+              <a:rPr lang="en-US" sz="2400" dirty="0" smtClean="0">
+                <a:solidFill>
+                  <a:schemeClr val="tx1">
+                    <a:lumMod val="95000"/>
+                    <a:lumOff val="5000"/>
+                  </a:schemeClr>
+                </a:solidFill>
+              </a:rPr>
+              <a:t>Implement and integrate as a module in SPARK.</a:t>
+            </a:r>
+          </a:p>
+          <a:p>
+            <a:r>
+              <a:rPr lang="en-US" sz="2400" smtClean="0">
+                <a:solidFill>
+                  <a:schemeClr val="tx1">
+                    <a:lumMod val="95000"/>
+                    <a:lumOff val="5000"/>
+                  </a:schemeClr>
+                </a:solidFill>
+              </a:rPr>
+              <a:t>Evaluate the performance </a:t>
+            </a:r>
+            <a:r>
+              <a:rPr lang="en-US" sz="2400" dirty="0" smtClean="0">
+                <a:solidFill>
+                  <a:schemeClr val="tx1">
+                    <a:lumMod val="95000"/>
+                    <a:lumOff val="5000"/>
+                  </a:schemeClr>
+                </a:solidFill>
+              </a:rPr>
+              <a:t>gains </a:t>
+            </a:r>
+            <a:r>
+              <a:rPr lang="en-US" sz="2400" smtClean="0">
+                <a:solidFill>
+                  <a:schemeClr val="tx1">
+                    <a:lumMod val="95000"/>
+                    <a:lumOff val="5000"/>
+                  </a:schemeClr>
+                </a:solidFill>
+              </a:rPr>
+              <a:t>and compare with naïve cache all RDD approach.</a:t>
+            </a:r>
+            <a:endParaRPr lang="en-US" sz="2400" dirty="0" smtClean="0">
+              <a:solidFill>
+                <a:schemeClr val="tx1">
+                  <a:lumMod val="95000"/>
+                  <a:lumOff val="5000"/>
+                </a:schemeClr>
+              </a:solidFill>
+            </a:endParaRPr>
+          </a:p>
+          <a:p>
+            <a:endParaRPr lang="en-US" sz="2400" dirty="0">
+              <a:solidFill>
+                <a:schemeClr val="tx1">
+                  <a:lumMod val="95000"/>
+                  <a:lumOff val="5000"/>
+                </a:schemeClr>
+              </a:solidFill>
+            </a:endParaRPr>
+          </a:p>
+          <a:p>
+            <a:endParaRPr lang="en-US" sz="2400" dirty="0"/>
+          </a:p>
+          <a:p>
+            <a:endParaRPr lang="en-US" sz="2400" dirty="0"/>
+          </a:p>
+        </p:txBody>
+      </p:sp>
+    </p:spTree>
+    <p:extLst>
+      <p:ext uri="{BB962C8B-B14F-4D97-AF65-F5344CB8AC3E}">
+        <p14:creationId xmlns:p14="http://schemas.microsoft.com/office/powerpoint/2010/main" val="1252900834"/>
+      </p:ext>
+    </p:extLst>
+  </p:cSld>
+  <p:clrMapOvr>
+    <a:masterClrMapping/>
+  </p:clrMapOvr>
+</p:sld>
+</file>
+
+<file path=ppt/slides/slide21.xml><?xml version="1.0" encoding="utf-8"?>
+<p:sld xmlns:a="http://schemas.openxmlformats.org/drawingml/2006/main" xmlns:r="http://schemas.openxmlformats.org/officeDocument/2006/relationships" xmlns:p="http://schemas.openxmlformats.org/presentationml/2006/main">
+  <p:cSld>
+    <p:spTree>
+      <p:nvGrpSpPr>
+        <p:cNvPr id="1" name=""/>
+        <p:cNvGrpSpPr/>
+        <p:nvPr/>
+      </p:nvGrpSpPr>
+      <p:grpSpPr>
+        <a:xfrm>
+          <a:off x="0" y="0"/>
+          <a:ext cx="0" cy="0"/>
+          <a:chOff x="0" y="0"/>
+          <a:chExt cx="0" cy="0"/>
+        </a:xfrm>
+      </p:grpSpPr>
+      <p:sp>
+        <p:nvSpPr>
+          <p:cNvPr id="2" name="Title 1"/>
+          <p:cNvSpPr>
+            <a:spLocks noGrp="1"/>
+          </p:cNvSpPr>
+          <p:nvPr>
+            <p:ph type="title"/>
+          </p:nvPr>
+        </p:nvSpPr>
+        <p:spPr>
+          <a:xfrm>
+            <a:off x="642610" y="2855088"/>
+            <a:ext cx="8596668" cy="1320800"/>
+          </a:xfrm>
+        </p:spPr>
+        <p:txBody>
+          <a:bodyPr/>
+          <a:lstStyle/>
+          <a:p>
+            <a:pPr algn="ctr"/>
+            <a:r>
+              <a:rPr lang="en-US" sz="6000" dirty="0" smtClean="0"/>
+              <a:t>Thanks</a:t>
+            </a:r>
+            <a:endParaRPr lang="en-US" sz="6000" dirty="0"/>
+          </a:p>
+        </p:txBody>
+      </p:sp>
+    </p:spTree>
+    <p:extLst>
+      <p:ext uri="{BB962C8B-B14F-4D97-AF65-F5344CB8AC3E}">
+        <p14:creationId xmlns:p14="http://schemas.microsoft.com/office/powerpoint/2010/main" val="1201105115"/>
       </p:ext>
     </p:extLst>
   </p:cSld>
@@ -7078,23 +9209,7 @@
           <a:p>
             <a:r>
               <a:rPr lang="en-US" altLang="zh-CN" sz="2400" dirty="0" smtClean="0"/>
-              <a:t>It extends </a:t>
-            </a:r>
-            <a:r>
-              <a:rPr lang="en-US" altLang="zh-CN" sz="2400" dirty="0" smtClean="0"/>
-              <a:t>the MapReduce </a:t>
-            </a:r>
-            <a:r>
-              <a:rPr lang="en-US" altLang="zh-CN" sz="2400" dirty="0" smtClean="0"/>
-              <a:t>model of Hadoop Framework </a:t>
-            </a:r>
-            <a:r>
-              <a:rPr lang="en-US" altLang="zh-CN" sz="2400" dirty="0" smtClean="0"/>
-              <a:t>to better support two common classes of </a:t>
-            </a:r>
-            <a:r>
-              <a:rPr lang="en-US" altLang="zh-CN" sz="2400" dirty="0" smtClean="0"/>
-              <a:t>batch and analytics applications:</a:t>
+              <a:t>It extends the MapReduce model of Hadoop Framework to better support two common classes of batch and analytics applications:</a:t>
             </a:r>
           </a:p>
           <a:p>
@@ -7222,11 +9337,7 @@
           <a:p>
             <a:r>
               <a:rPr lang="en-US" altLang="zh-CN" sz="2400" dirty="0" smtClean="0"/>
-              <a:t>Most current cluster programming models are based on directed acyclic data flow from stable storage to stable </a:t>
-            </a:r>
-            <a:r>
-              <a:rPr lang="en-US" altLang="zh-CN" sz="2400" dirty="0" smtClean="0"/>
-              <a:t>storage</a:t>
+              <a:t>Most current cluster programming models are based on directed acyclic data flow from stable storage to stable storage</a:t>
             </a:r>
           </a:p>
           <a:p>
@@ -7710,30 +9821,14 @@
           <a:p>
             <a:r>
               <a:rPr lang="en-US" altLang="zh-CN" sz="2200" dirty="0" smtClean="0"/>
-              <a:t>RDDs allow applications to </a:t>
-            </a:r>
+              <a:t>RDDs allow applications to keep working sets in memory for efficient reuse within a single lineage.</a:t>
+            </a:r>
+            <a:endParaRPr lang="en-US" altLang="zh-CN" sz="2200" dirty="0"/>
+          </a:p>
+          <a:p>
             <a:r>
               <a:rPr lang="en-US" altLang="zh-CN" sz="2200" dirty="0" smtClean="0"/>
-              <a:t>keep working sets in memory for efficient </a:t>
-            </a:r>
-            <a:r>
-              <a:rPr lang="en-US" altLang="zh-CN" sz="2200" dirty="0" smtClean="0"/>
-              <a:t>reuse within a single lineage.</a:t>
-            </a:r>
-            <a:endParaRPr lang="en-US" altLang="zh-CN" sz="2200" dirty="0"/>
-          </a:p>
-          <a:p>
-            <a:r>
-              <a:rPr lang="en-US" altLang="zh-CN" sz="2200" dirty="0" smtClean="0"/>
-              <a:t>Retain </a:t>
-            </a:r>
-            <a:r>
-              <a:rPr lang="en-US" altLang="zh-CN" sz="2200" dirty="0" smtClean="0"/>
-              <a:t>the attractive properties of </a:t>
-            </a:r>
-            <a:r>
-              <a:rPr lang="en-US" altLang="zh-CN" sz="2200" dirty="0" smtClean="0"/>
-              <a:t>MapReduce</a:t>
+              <a:t>Retain the attractive properties of MapReduce</a:t>
             </a:r>
           </a:p>
           <a:p>
@@ -8641,11 +10736,6 @@
               </a:rPr>
               <a:t>will use the cached version of the file.</a:t>
             </a:r>
-            <a:endParaRPr lang="en-US" sz="2200" dirty="0">
-              <a:solidFill>
-                <a:srgbClr val="FF0000"/>
-              </a:solidFill>
-            </a:endParaRPr>
           </a:p>
           <a:p>
             <a:endParaRPr lang="en-US" sz="2200" dirty="0" smtClean="0"/>

--- a/COMP6611B-Final-Presentation.pptx
+++ b/COMP6611B-Final-Presentation.pptx
@@ -6368,16 +6368,13 @@
             <a:pPr algn="ctr"/>
             <a:r>
               <a:rPr lang="en-US" dirty="0" smtClean="0"/>
-              <a:t>Ahmed Mohamed </a:t>
-            </a:r>
-            <a:r>
-              <a:rPr lang="en-US" dirty="0" err="1" smtClean="0"/>
-              <a:t>Abdelmoniem</a:t>
+              <a:t>Ahmed </a:t>
             </a:r>
             <a:r>
               <a:rPr lang="en-US" dirty="0" smtClean="0"/>
-              <a:t> Sayed</a:t>
-            </a:r>
+              <a:t>Sayed and Byron Yi</a:t>
+            </a:r>
+            <a:endParaRPr lang="en-US" dirty="0" smtClean="0"/>
           </a:p>
           <a:p>
             <a:pPr algn="ctr"/>
@@ -6395,6 +6392,13 @@
   <p:clrMapOvr>
     <a:masterClrMapping/>
   </p:clrMapOvr>
+  <p:timing>
+    <p:tnLst>
+      <p:par>
+        <p:cTn id="1" dur="indefinite" restart="never" nodeType="tmRoot"/>
+      </p:par>
+    </p:tnLst>
+  </p:timing>
 </p:sld>
 </file>
 
@@ -6902,11 +6906,11 @@
             </a:r>
             <a:r>
               <a:rPr lang="en-US" sz="2200" dirty="0"/>
-              <a:t>dependency graphs for different jobs </a:t>
+              <a:t>dependency graphs for different </a:t>
             </a:r>
             <a:r>
               <a:rPr lang="en-US" sz="2200" dirty="0" smtClean="0"/>
-              <a:t>that share </a:t>
+              <a:t>RDDs that share </a:t>
             </a:r>
             <a:r>
               <a:rPr lang="en-US" sz="2200" dirty="0"/>
@@ -6935,7 +6939,7 @@
             </a:r>
             <a:r>
               <a:rPr lang="en-US" sz="2200" dirty="0" smtClean="0"/>
-              <a:t> to cache the RDD</a:t>
+              <a:t> on RDDs.</a:t>
             </a:r>
           </a:p>
           <a:p>
@@ -6955,7 +6959,7 @@
                   <a:srgbClr val="FF0000"/>
                 </a:solidFill>
               </a:rPr>
-              <a:t>Programmers may be not trained to benefit from Caching.</a:t>
+              <a:t>Programmers may not well trained/aware to benefit from Caching.</a:t>
             </a:r>
           </a:p>
           <a:p>
@@ -7079,15 +7083,7 @@
           <a:p>
             <a:r>
               <a:rPr lang="en-US" sz="2200" dirty="0" smtClean="0"/>
-              <a:t>Programmers need not worry about Caching </a:t>
-            </a:r>
-            <a:r>
-              <a:rPr lang="en-US" sz="2200" dirty="0" err="1" smtClean="0"/>
-              <a:t>enforcment</a:t>
-            </a:r>
-            <a:r>
-              <a:rPr lang="en-US" sz="2200" dirty="0" smtClean="0"/>
-              <a:t>.</a:t>
+              <a:t>Programmers need not worry about Caching enforcement.</a:t>
             </a:r>
           </a:p>
           <a:p>
@@ -7296,7 +7292,19 @@
             <a:pPr lvl="1"/>
             <a:r>
               <a:rPr lang="en-US" dirty="0"/>
-              <a:t>a Spark context </a:t>
+              <a:t>a Spark </a:t>
+            </a:r>
+            <a:r>
+              <a:rPr lang="en-US" dirty="0">
+                <a:solidFill>
+                  <a:srgbClr val="FF0000"/>
+                </a:solidFill>
+              </a:rPr>
+              <a:t>context</a:t>
+            </a:r>
+            <a:r>
+              <a:rPr lang="en-US" dirty="0"/>
+              <a:t> </a:t>
             </a:r>
             <a:r>
               <a:rPr lang="en-US" dirty="0" smtClean="0"/>
@@ -8897,6 +8905,13 @@
   <p:clrMapOvr>
     <a:masterClrMapping/>
   </p:clrMapOvr>
+  <p:timing>
+    <p:tnLst>
+      <p:par>
+        <p:cTn id="1" dur="indefinite" restart="never" nodeType="tmRoot"/>
+      </p:par>
+    </p:tnLst>
+  </p:timing>
 </p:sld>
 </file>
 
@@ -9016,7 +9031,7 @@
           </a:p>
           <a:p>
             <a:r>
-              <a:rPr lang="en-US" sz="2400" smtClean="0">
+              <a:rPr lang="en-US" sz="2400" dirty="0" smtClean="0">
                 <a:solidFill>
                   <a:schemeClr val="tx1">
                     <a:lumMod val="95000"/>
@@ -9024,38 +9039,8 @@
                   </a:schemeClr>
                 </a:solidFill>
               </a:rPr>
-              <a:t>Evaluate the performance </a:t>
-            </a:r>
-            <a:r>
-              <a:rPr lang="en-US" sz="2400" dirty="0" smtClean="0">
-                <a:solidFill>
-                  <a:schemeClr val="tx1">
-                    <a:lumMod val="95000"/>
-                    <a:lumOff val="5000"/>
-                  </a:schemeClr>
-                </a:solidFill>
-              </a:rPr>
-              <a:t>gains </a:t>
-            </a:r>
-            <a:r>
-              <a:rPr lang="en-US" sz="2400" smtClean="0">
-                <a:solidFill>
-                  <a:schemeClr val="tx1">
-                    <a:lumMod val="95000"/>
-                    <a:lumOff val="5000"/>
-                  </a:schemeClr>
-                </a:solidFill>
-              </a:rPr>
-              <a:t>and compare with naïve cache all RDD approach.</a:t>
-            </a:r>
-            <a:endParaRPr lang="en-US" sz="2400" dirty="0" smtClean="0">
-              <a:solidFill>
-                <a:schemeClr val="tx1">
-                  <a:lumMod val="95000"/>
-                  <a:lumOff val="5000"/>
-                </a:schemeClr>
-              </a:solidFill>
-            </a:endParaRPr>
+              <a:t>Evaluate the performance gains and compare with naïve cache all RDD approach.</a:t>
+            </a:r>
           </a:p>
           <a:p>
             <a:endParaRPr lang="en-US" sz="2400" dirty="0">
@@ -9828,113 +9813,118 @@
           <a:p>
             <a:r>
               <a:rPr lang="en-US" altLang="zh-CN" sz="2200" dirty="0" smtClean="0"/>
+              <a:t>RDD </a:t>
+            </a:r>
+            <a:r>
+              <a:rPr lang="en-US" altLang="zh-CN" sz="2200" dirty="0" smtClean="0"/>
+              <a:t>is has the following characteristics:</a:t>
+            </a:r>
+          </a:p>
+          <a:p>
+            <a:pPr lvl="1"/>
+            <a:r>
+              <a:rPr lang="en-US" altLang="zh-CN" sz="1800" dirty="0"/>
+              <a:t>Immutable collections of objects spread across a cluster</a:t>
+            </a:r>
+          </a:p>
+          <a:p>
+            <a:pPr lvl="1"/>
+            <a:r>
+              <a:rPr lang="en-US" altLang="zh-CN" sz="1800" dirty="0"/>
+              <a:t>Built through parallel </a:t>
+            </a:r>
+            <a:r>
+              <a:rPr lang="en-US" altLang="zh-CN" sz="1800" i="1" dirty="0"/>
+              <a:t>transformations</a:t>
+            </a:r>
+            <a:r>
+              <a:rPr lang="en-US" altLang="zh-CN" sz="1800" dirty="0"/>
+              <a:t> (</a:t>
+            </a:r>
+            <a:r>
+              <a:rPr lang="en-US" altLang="zh-CN" sz="1800" i="1" dirty="0"/>
+              <a:t>map, filter</a:t>
+            </a:r>
+            <a:r>
+              <a:rPr lang="en-US" altLang="zh-CN" sz="1800" dirty="0"/>
+              <a:t>, </a:t>
+            </a:r>
+            <a:r>
+              <a:rPr lang="en-US" altLang="zh-CN" sz="1800" dirty="0" err="1"/>
+              <a:t>etc</a:t>
+            </a:r>
+            <a:r>
+              <a:rPr lang="en-US" altLang="zh-CN" sz="1800" dirty="0"/>
+              <a:t>)</a:t>
+            </a:r>
+          </a:p>
+          <a:p>
+            <a:pPr lvl="1"/>
+            <a:r>
+              <a:rPr lang="en-US" altLang="zh-CN" sz="1800" dirty="0"/>
+              <a:t>Automatically rebuilt on </a:t>
+            </a:r>
+            <a:r>
+              <a:rPr lang="en-US" altLang="zh-CN" sz="1800" dirty="0" smtClean="0"/>
+              <a:t>failure</a:t>
+            </a:r>
+          </a:p>
+          <a:p>
+            <a:pPr lvl="1"/>
+            <a:r>
+              <a:rPr lang="en-US" altLang="zh-CN" sz="1800" dirty="0">
+                <a:solidFill>
+                  <a:srgbClr val="FF0000"/>
+                </a:solidFill>
+              </a:rPr>
+              <a:t>Controllable </a:t>
+            </a:r>
+            <a:r>
+              <a:rPr lang="en-US" altLang="zh-CN" sz="1800" i="1" dirty="0">
+                <a:solidFill>
+                  <a:srgbClr val="FF0000"/>
+                </a:solidFill>
+              </a:rPr>
+              <a:t>persistence</a:t>
+            </a:r>
+            <a:r>
+              <a:rPr lang="en-US" altLang="zh-CN" sz="1800" dirty="0">
+                <a:solidFill>
+                  <a:srgbClr val="FF0000"/>
+                </a:solidFill>
+              </a:rPr>
+              <a:t> (e.g. caching in RAM) for </a:t>
+            </a:r>
+            <a:r>
+              <a:rPr lang="en-US" altLang="zh-CN" sz="1800" dirty="0" smtClean="0">
+                <a:solidFill>
+                  <a:srgbClr val="FF0000"/>
+                </a:solidFill>
+              </a:rPr>
+              <a:t>reuse</a:t>
+            </a:r>
+          </a:p>
+          <a:p>
+            <a:r>
+              <a:rPr lang="en-US" altLang="zh-CN" sz="2200" dirty="0"/>
               <a:t>Retain the attractive properties of MapReduce</a:t>
             </a:r>
           </a:p>
           <a:p>
             <a:pPr lvl="1"/>
             <a:r>
-              <a:rPr lang="en-US" altLang="zh-CN" sz="2000" dirty="0" smtClean="0"/>
-              <a:t>Fault </a:t>
-            </a:r>
-            <a:r>
               <a:rPr lang="en-US" altLang="zh-CN" sz="2000" dirty="0"/>
-              <a:t>tolerance, data locality, </a:t>
+              <a:t>Fault tolerance, data locality, </a:t>
             </a:r>
             <a:r>
               <a:rPr lang="en-US" altLang="zh-CN" sz="2000" dirty="0" smtClean="0"/>
               <a:t>scalability</a:t>
             </a:r>
-          </a:p>
-          <a:p>
-            <a:r>
-              <a:rPr lang="en-US" altLang="zh-CN" sz="2200" dirty="0" smtClean="0"/>
-              <a:t>RDD is has the following characteristics:</a:t>
-            </a:r>
-          </a:p>
-          <a:p>
-            <a:pPr lvl="1"/>
-            <a:r>
-              <a:rPr lang="en-US" altLang="zh-CN" sz="1800" dirty="0"/>
-              <a:t>Immutable collections of objects spread across a cluster</a:t>
-            </a:r>
-          </a:p>
-          <a:p>
-            <a:pPr lvl="1"/>
-            <a:r>
-              <a:rPr lang="en-US" altLang="zh-CN" sz="1800" dirty="0"/>
-              <a:t>Built through parallel </a:t>
-            </a:r>
-            <a:r>
-              <a:rPr lang="en-US" altLang="zh-CN" sz="1800" i="1" dirty="0"/>
-              <a:t>transformations</a:t>
-            </a:r>
-            <a:r>
-              <a:rPr lang="en-US" altLang="zh-CN" sz="1800" dirty="0"/>
-              <a:t> (</a:t>
-            </a:r>
-            <a:r>
-              <a:rPr lang="en-US" altLang="zh-CN" sz="1800" i="1" dirty="0"/>
-              <a:t>map, filter</a:t>
-            </a:r>
-            <a:r>
-              <a:rPr lang="en-US" altLang="zh-CN" sz="1800" dirty="0"/>
-              <a:t>, </a:t>
-            </a:r>
-            <a:r>
-              <a:rPr lang="en-US" altLang="zh-CN" sz="1800" dirty="0" err="1"/>
-              <a:t>etc</a:t>
-            </a:r>
-            <a:r>
-              <a:rPr lang="en-US" altLang="zh-CN" sz="1800" dirty="0"/>
-              <a:t>)</a:t>
-            </a:r>
-          </a:p>
-          <a:p>
-            <a:pPr lvl="1"/>
-            <a:r>
-              <a:rPr lang="en-US" altLang="zh-CN" sz="1800" dirty="0"/>
-              <a:t>Automatically rebuilt on </a:t>
-            </a:r>
-            <a:r>
-              <a:rPr lang="en-US" altLang="zh-CN" sz="1800" dirty="0" smtClean="0"/>
-              <a:t>failure</a:t>
-            </a:r>
-          </a:p>
-          <a:p>
-            <a:pPr lvl="1"/>
-            <a:r>
-              <a:rPr lang="en-US" altLang="zh-CN" sz="1800" dirty="0">
-                <a:solidFill>
-                  <a:srgbClr val="FF0000"/>
-                </a:solidFill>
-              </a:rPr>
-              <a:t>Controllable </a:t>
-            </a:r>
-            <a:r>
-              <a:rPr lang="en-US" altLang="zh-CN" sz="1800" i="1" dirty="0">
-                <a:solidFill>
-                  <a:srgbClr val="FF0000"/>
-                </a:solidFill>
-              </a:rPr>
-              <a:t>persistence</a:t>
-            </a:r>
-            <a:r>
-              <a:rPr lang="en-US" altLang="zh-CN" sz="1800" dirty="0">
-                <a:solidFill>
-                  <a:srgbClr val="FF0000"/>
-                </a:solidFill>
-              </a:rPr>
-              <a:t> (e.g. caching in RAM) for </a:t>
-            </a:r>
-            <a:r>
-              <a:rPr lang="en-US" altLang="zh-CN" sz="1800" dirty="0" smtClean="0">
-                <a:solidFill>
-                  <a:srgbClr val="FF0000"/>
-                </a:solidFill>
-              </a:rPr>
-              <a:t>reuse</a:t>
-            </a:r>
+            <a:endParaRPr lang="en-US" altLang="zh-CN" sz="1800" dirty="0" smtClean="0">
+              <a:solidFill>
+                <a:srgbClr val="FF0000"/>
+              </a:solidFill>
+            </a:endParaRPr>
           </a:p>
           <a:p>
             <a:pPr lvl="1"/>
@@ -10119,7 +10109,26 @@
             <a:pPr algn="ctr"/>
             <a:r>
               <a:rPr lang="en-US" dirty="0" smtClean="0"/>
-              <a:t>How Caching Works in SPARK</a:t>
+              <a:t>How </a:t>
+            </a:r>
+            <a:r>
+              <a:rPr lang="en-US" dirty="0" smtClean="0"/>
+              <a:t>Caching Works </a:t>
+            </a:r>
+            <a:r>
+              <a:rPr lang="en-US" dirty="0" smtClean="0"/>
+              <a:t>in </a:t>
+            </a:r>
+            <a:r>
+              <a:rPr lang="en-US" dirty="0" smtClean="0"/>
+              <a:t>SPARK</a:t>
+            </a:r>
+            <a:br>
+              <a:rPr lang="en-US" dirty="0" smtClean="0"/>
+            </a:br>
+            <a:r>
+              <a:rPr lang="en-US" dirty="0" smtClean="0"/>
+              <a:t>Lazy Execution</a:t>
             </a:r>
             <a:endParaRPr lang="en-US" dirty="0"/>
           </a:p>
@@ -10169,8 +10178,12 @@
           </a:p>
           <a:p>
             <a:r>
+              <a:rPr lang="en-US" sz="2200" dirty="0" smtClean="0"/>
+              <a:t>RDD is </a:t>
+            </a:r>
+            <a:r>
               <a:rPr lang="en-US" sz="2200" dirty="0"/>
-              <a:t>Think of an RDD as a description of a series of </a:t>
+              <a:t>a description of a series of </a:t>
             </a:r>
             <a:r>
               <a:rPr lang="en-US" sz="2200" dirty="0" smtClean="0"/>
@@ -10241,7 +10254,7 @@
         </p:blipFill>
         <p:spPr>
           <a:xfrm>
-            <a:off x="1527858" y="4027990"/>
+            <a:off x="1578498" y="4224759"/>
             <a:ext cx="6794339" cy="555183"/>
           </a:xfrm>
           <a:prstGeom prst="rect">
@@ -10332,8 +10345,24 @@
             </a:r>
             <a:r>
               <a:rPr lang="en-US" dirty="0"/>
-              <a:t>Caching Works in SPARK</a:t>
-            </a:r>
+              <a:t>Caching Works in </a:t>
+            </a:r>
+            <a:r>
+              <a:rPr lang="en-US" dirty="0" smtClean="0"/>
+              <a:t>SPARK</a:t>
+            </a:r>
+            <a:r>
+              <a:rPr lang="ar-SA" dirty="0" smtClean="0"/>
+              <a:t/>
+            </a:r>
+            <a:br>
+              <a:rPr lang="ar-SA" dirty="0" smtClean="0"/>
+            </a:br>
+            <a:r>
+              <a:rPr lang="en-US" dirty="0" smtClean="0"/>
+              <a:t>Actions</a:t>
+            </a:r>
+            <a:endParaRPr lang="en-US" dirty="0"/>
           </a:p>
         </p:txBody>
       </p:sp>
@@ -10500,18 +10529,42 @@
           <a:p>
             <a:pPr algn="ctr"/>
             <a:r>
-              <a:rPr lang="en-US" sz="3600" dirty="0"/>
-              <a:t>An RDD is not </a:t>
-            </a:r>
-            <a:r>
-              <a:rPr lang="en-US" sz="3600" dirty="0" smtClean="0"/>
+              <a:rPr lang="en-US" sz="3600" dirty="0" smtClean="0">
+                <a:solidFill>
+                  <a:srgbClr val="FF0000"/>
+                </a:solidFill>
+              </a:rPr>
+              <a:t> </a:t>
+            </a:r>
+            <a:r>
+              <a:rPr lang="en-US" sz="3600" dirty="0">
+                <a:solidFill>
+                  <a:srgbClr val="FF0000"/>
+                </a:solidFill>
+              </a:rPr>
+              <a:t>RDD is not </a:t>
+            </a:r>
+            <a:r>
+              <a:rPr lang="en-US" sz="3600" dirty="0" smtClean="0">
+                <a:solidFill>
+                  <a:srgbClr val="FF0000"/>
+                </a:solidFill>
+              </a:rPr>
               <a:t>data hence nothing </a:t>
             </a:r>
             <a:r>
-              <a:rPr lang="en-US" sz="3600" dirty="0"/>
+              <a:rPr lang="en-US" sz="3600" dirty="0">
+                <a:solidFill>
+                  <a:srgbClr val="FF0000"/>
+                </a:solidFill>
+              </a:rPr>
               <a:t>is stored. </a:t>
             </a:r>
-            <a:endParaRPr lang="en-US" sz="3600" dirty="0" smtClean="0"/>
+            <a:endParaRPr lang="en-US" sz="3600" dirty="0" smtClean="0">
+              <a:solidFill>
+                <a:srgbClr val="FF0000"/>
+              </a:solidFill>
+            </a:endParaRPr>
           </a:p>
         </p:txBody>
       </p:sp>
@@ -10578,8 +10631,20 @@
             </a:r>
             <a:r>
               <a:rPr lang="en-US" dirty="0"/>
-              <a:t>in SPARK</a:t>
-            </a:r>
+              <a:t>in </a:t>
+            </a:r>
+            <a:r>
+              <a:rPr lang="en-US" dirty="0" smtClean="0"/>
+              <a:t>SPARK</a:t>
+            </a:r>
+            <a:br>
+              <a:rPr lang="en-US" dirty="0" smtClean="0"/>
+            </a:br>
+            <a:r>
+              <a:rPr lang="en-US" dirty="0" smtClean="0"/>
+              <a:t>Cache statement</a:t>
+            </a:r>
+            <a:endParaRPr lang="en-US" dirty="0"/>
           </a:p>
         </p:txBody>
       </p:sp>
